--- a/Presentation.pptx
+++ b/Presentation.pptx
@@ -10,15 +10,15 @@
   <p:sldIdLst>
     <p:sldId id="256" r:id="rId2"/>
     <p:sldId id="257" r:id="rId3"/>
-    <p:sldId id="267" r:id="rId4"/>
-    <p:sldId id="261" r:id="rId5"/>
-    <p:sldId id="258" r:id="rId6"/>
-    <p:sldId id="262" r:id="rId7"/>
-    <p:sldId id="266" r:id="rId8"/>
-    <p:sldId id="263" r:id="rId9"/>
-    <p:sldId id="268" r:id="rId10"/>
-    <p:sldId id="259" r:id="rId11"/>
-    <p:sldId id="264" r:id="rId12"/>
+    <p:sldId id="269" r:id="rId4"/>
+    <p:sldId id="267" r:id="rId5"/>
+    <p:sldId id="261" r:id="rId6"/>
+    <p:sldId id="258" r:id="rId7"/>
+    <p:sldId id="262" r:id="rId8"/>
+    <p:sldId id="266" r:id="rId9"/>
+    <p:sldId id="263" r:id="rId10"/>
+    <p:sldId id="268" r:id="rId11"/>
+    <p:sldId id="259" r:id="rId12"/>
     <p:sldId id="260" r:id="rId13"/>
   </p:sldIdLst>
   <p:sldSz cx="12192000" cy="6858000"/>
@@ -522,6 +522,32 @@
             <a:pPr marL="0" indent="0">
               <a:buNone/>
             </a:pPr>
+            <a:r>
+              <a:rPr lang="en-US" b="0" i="0" dirty="0">
+                <a:solidFill>
+                  <a:srgbClr val="17344A"/>
+                </a:solidFill>
+                <a:effectLst/>
+                <a:latin typeface="Avenir Next LT Pro Light" panose="020B0304020202020204" pitchFamily="34" charset="0"/>
+              </a:rPr>
+              <a:t>A smart understanding of which waterpoints will fail can improve maintenance operations and ensure that clean, potable water is available to communities across Tanzania.</a:t>
+            </a:r>
+          </a:p>
+          <a:p>
+            <a:pPr marL="0" indent="0">
+              <a:buNone/>
+            </a:pPr>
+            <a:r>
+              <a:rPr lang="en-US" dirty="0">
+                <a:latin typeface="Avenir Next LT Pro Light" panose="020B0304020202020204" pitchFamily="34" charset="0"/>
+              </a:rPr>
+              <a:t>Predict the functionality of waterpoints given variables.</a:t>
+            </a:r>
+          </a:p>
+          <a:p>
+            <a:pPr marL="0" indent="0">
+              <a:buNone/>
+            </a:pPr>
             <a:endParaRPr lang="en-US" dirty="0">
               <a:latin typeface="Avenir Next LT Pro Light" panose="020B0304020202020204" pitchFamily="34" charset="0"/>
             </a:endParaRPr>
@@ -608,18 +634,18 @@
           <a:bodyPr/>
           <a:lstStyle/>
           <a:p>
-            <a:r>
-              <a:rPr lang="en-US" dirty="0"/>
-              <a:t>Recorded/Gathered by </a:t>
-            </a:r>
-            <a:r>
-              <a:rPr lang="en-US" dirty="0" err="1"/>
-              <a:t>GeoData</a:t>
-            </a:r>
-            <a:r>
-              <a:rPr lang="en-US" dirty="0"/>
-              <a:t> Consultants Ltd, 2002-2011</a:t>
-            </a:r>
+            <a:pPr marL="0" marR="0">
+              <a:lnSpc>
+                <a:spcPct val="107000"/>
+              </a:lnSpc>
+              <a:spcBef>
+                <a:spcPts val="0"/>
+              </a:spcBef>
+              <a:spcAft>
+                <a:spcPts val="800"/>
+              </a:spcAft>
+            </a:pPr>
+            <a:endParaRPr lang="en-US" dirty="0"/>
           </a:p>
         </p:txBody>
       </p:sp>
@@ -649,7 +675,477 @@
     </p:spTree>
     <p:extLst>
       <p:ext uri="{BB962C8B-B14F-4D97-AF65-F5344CB8AC3E}">
+        <p14:creationId xmlns:p14="http://schemas.microsoft.com/office/powerpoint/2010/main" val="3302302433"/>
+      </p:ext>
+    </p:extLst>
+  </p:cSld>
+  <p:clrMapOvr>
+    <a:masterClrMapping/>
+  </p:clrMapOvr>
+</p:notes>
+</file>
+
+<file path=ppt/notesSlides/notesSlide3.xml><?xml version="1.0" encoding="utf-8"?>
+<p:notes xmlns:a="http://schemas.openxmlformats.org/drawingml/2006/main" xmlns:r="http://schemas.openxmlformats.org/officeDocument/2006/relationships" xmlns:p="http://schemas.openxmlformats.org/presentationml/2006/main">
+  <p:cSld>
+    <p:spTree>
+      <p:nvGrpSpPr>
+        <p:cNvPr id="1" name=""/>
+        <p:cNvGrpSpPr/>
+        <p:nvPr/>
+      </p:nvGrpSpPr>
+      <p:grpSpPr>
+        <a:xfrm>
+          <a:off x="0" y="0"/>
+          <a:ext cx="0" cy="0"/>
+          <a:chOff x="0" y="0"/>
+          <a:chExt cx="0" cy="0"/>
+        </a:xfrm>
+      </p:grpSpPr>
+      <p:sp>
+        <p:nvSpPr>
+          <p:cNvPr id="2" name="Slide Image Placeholder 1"/>
+          <p:cNvSpPr>
+            <a:spLocks noGrp="1" noRot="1" noChangeAspect="1"/>
+          </p:cNvSpPr>
+          <p:nvPr>
+            <p:ph type="sldImg"/>
+          </p:nvPr>
+        </p:nvSpPr>
+        <p:spPr/>
+      </p:sp>
+      <p:sp>
+        <p:nvSpPr>
+          <p:cNvPr id="3" name="Notes Placeholder 2"/>
+          <p:cNvSpPr>
+            <a:spLocks noGrp="1"/>
+          </p:cNvSpPr>
+          <p:nvPr>
+            <p:ph type="body" idx="1"/>
+          </p:nvPr>
+        </p:nvSpPr>
+        <p:spPr/>
+        <p:txBody>
+          <a:bodyPr/>
+          <a:lstStyle/>
+          <a:p>
+            <a:r>
+              <a:rPr lang="en-US" dirty="0"/>
+              <a:t>Recorded/Gathered by </a:t>
+            </a:r>
+            <a:r>
+              <a:rPr lang="en-US" dirty="0" err="1"/>
+              <a:t>GeoData</a:t>
+            </a:r>
+            <a:r>
+              <a:rPr lang="en-US" dirty="0"/>
+              <a:t> Consultants Ltd, 2002-2011</a:t>
+            </a:r>
+          </a:p>
+        </p:txBody>
+      </p:sp>
+      <p:sp>
+        <p:nvSpPr>
+          <p:cNvPr id="4" name="Slide Number Placeholder 3"/>
+          <p:cNvSpPr>
+            <a:spLocks noGrp="1"/>
+          </p:cNvSpPr>
+          <p:nvPr>
+            <p:ph type="sldNum" sz="quarter" idx="5"/>
+          </p:nvPr>
+        </p:nvSpPr>
+        <p:spPr/>
+        <p:txBody>
+          <a:bodyPr/>
+          <a:lstStyle/>
+          <a:p>
+            <a:fld id="{4FBCB1FD-6A52-4234-B3EB-D3A6D61CB530}" type="slidenum">
+              <a:rPr lang="en-US" smtClean="0"/>
+              <a:t>4</a:t>
+            </a:fld>
+            <a:endParaRPr lang="en-US"/>
+          </a:p>
+        </p:txBody>
+      </p:sp>
+    </p:spTree>
+    <p:extLst>
+      <p:ext uri="{BB962C8B-B14F-4D97-AF65-F5344CB8AC3E}">
         <p14:creationId xmlns:p14="http://schemas.microsoft.com/office/powerpoint/2010/main" val="4055267597"/>
+      </p:ext>
+    </p:extLst>
+  </p:cSld>
+  <p:clrMapOvr>
+    <a:masterClrMapping/>
+  </p:clrMapOvr>
+</p:notes>
+</file>
+
+<file path=ppt/notesSlides/notesSlide4.xml><?xml version="1.0" encoding="utf-8"?>
+<p:notes xmlns:a="http://schemas.openxmlformats.org/drawingml/2006/main" xmlns:r="http://schemas.openxmlformats.org/officeDocument/2006/relationships" xmlns:p="http://schemas.openxmlformats.org/presentationml/2006/main">
+  <p:cSld>
+    <p:spTree>
+      <p:nvGrpSpPr>
+        <p:cNvPr id="1" name=""/>
+        <p:cNvGrpSpPr/>
+        <p:nvPr/>
+      </p:nvGrpSpPr>
+      <p:grpSpPr>
+        <a:xfrm>
+          <a:off x="0" y="0"/>
+          <a:ext cx="0" cy="0"/>
+          <a:chOff x="0" y="0"/>
+          <a:chExt cx="0" cy="0"/>
+        </a:xfrm>
+      </p:grpSpPr>
+      <p:sp>
+        <p:nvSpPr>
+          <p:cNvPr id="2" name="Slide Image Placeholder 1"/>
+          <p:cNvSpPr>
+            <a:spLocks noGrp="1" noRot="1" noChangeAspect="1"/>
+          </p:cNvSpPr>
+          <p:nvPr>
+            <p:ph type="sldImg"/>
+          </p:nvPr>
+        </p:nvSpPr>
+        <p:spPr/>
+      </p:sp>
+      <p:sp>
+        <p:nvSpPr>
+          <p:cNvPr id="3" name="Notes Placeholder 2"/>
+          <p:cNvSpPr>
+            <a:spLocks noGrp="1"/>
+          </p:cNvSpPr>
+          <p:nvPr>
+            <p:ph type="body" idx="1"/>
+          </p:nvPr>
+        </p:nvSpPr>
+        <p:spPr/>
+        <p:txBody>
+          <a:bodyPr/>
+          <a:lstStyle/>
+          <a:p>
+            <a:r>
+              <a:rPr lang="en-US" dirty="0"/>
+              <a:t>Missing: Characteristics of pump itself</a:t>
+            </a:r>
+          </a:p>
+          <a:p>
+            <a:pPr marL="0" marR="0">
+              <a:lnSpc>
+                <a:spcPct val="107000"/>
+              </a:lnSpc>
+              <a:spcBef>
+                <a:spcPts val="0"/>
+              </a:spcBef>
+              <a:spcAft>
+                <a:spcPts val="800"/>
+              </a:spcAft>
+            </a:pPr>
+            <a:r>
+              <a:rPr lang="en-US" sz="1200" dirty="0">
+                <a:solidFill>
+                  <a:srgbClr val="242729"/>
+                </a:solidFill>
+                <a:effectLst/>
+                <a:latin typeface="Arial" panose="020B0604020202020204" pitchFamily="34" charset="0"/>
+                <a:ea typeface="Malgun Gothic" panose="020B0503020000020004" pitchFamily="34" charset="-127"/>
+                <a:cs typeface="Times New Roman" panose="02020603050405020304" pitchFamily="18" charset="0"/>
+              </a:rPr>
+              <a:t>Characteristics of environment</a:t>
+            </a:r>
+            <a:endParaRPr lang="en-US" sz="1100" dirty="0">
+              <a:effectLst/>
+              <a:latin typeface="Calibri" panose="020F0502020204030204" pitchFamily="34" charset="0"/>
+              <a:ea typeface="Malgun Gothic" panose="020B0503020000020004" pitchFamily="34" charset="-127"/>
+              <a:cs typeface="Times New Roman" panose="02020603050405020304" pitchFamily="18" charset="0"/>
+            </a:endParaRPr>
+          </a:p>
+          <a:p>
+            <a:pPr marL="0" marR="0">
+              <a:lnSpc>
+                <a:spcPct val="107000"/>
+              </a:lnSpc>
+              <a:spcBef>
+                <a:spcPts val="0"/>
+              </a:spcBef>
+              <a:spcAft>
+                <a:spcPts val="800"/>
+              </a:spcAft>
+            </a:pPr>
+            <a:r>
+              <a:rPr lang="en-US" sz="1200" dirty="0">
+                <a:solidFill>
+                  <a:srgbClr val="242729"/>
+                </a:solidFill>
+                <a:effectLst/>
+                <a:latin typeface="Arial" panose="020B0604020202020204" pitchFamily="34" charset="0"/>
+                <a:ea typeface="Malgun Gothic" panose="020B0503020000020004" pitchFamily="34" charset="-127"/>
+                <a:cs typeface="Times New Roman" panose="02020603050405020304" pitchFamily="18" charset="0"/>
+              </a:rPr>
+              <a:t>-supply</a:t>
+            </a:r>
+            <a:endParaRPr lang="en-US" sz="1100" dirty="0">
+              <a:effectLst/>
+              <a:latin typeface="Calibri" panose="020F0502020204030204" pitchFamily="34" charset="0"/>
+              <a:ea typeface="Malgun Gothic" panose="020B0503020000020004" pitchFamily="34" charset="-127"/>
+              <a:cs typeface="Times New Roman" panose="02020603050405020304" pitchFamily="18" charset="0"/>
+            </a:endParaRPr>
+          </a:p>
+          <a:p>
+            <a:pPr marL="0" marR="0">
+              <a:lnSpc>
+                <a:spcPct val="107000"/>
+              </a:lnSpc>
+              <a:spcBef>
+                <a:spcPts val="0"/>
+              </a:spcBef>
+              <a:spcAft>
+                <a:spcPts val="800"/>
+              </a:spcAft>
+            </a:pPr>
+            <a:r>
+              <a:rPr lang="en-US" sz="1200" dirty="0">
+                <a:solidFill>
+                  <a:srgbClr val="242729"/>
+                </a:solidFill>
+                <a:effectLst/>
+                <a:latin typeface="Arial" panose="020B0604020202020204" pitchFamily="34" charset="0"/>
+                <a:ea typeface="Malgun Gothic" panose="020B0503020000020004" pitchFamily="34" charset="-127"/>
+                <a:cs typeface="Times New Roman" panose="02020603050405020304" pitchFamily="18" charset="0"/>
+              </a:rPr>
+              <a:t>-physical location</a:t>
+            </a:r>
+            <a:endParaRPr lang="en-US" sz="1100" dirty="0">
+              <a:effectLst/>
+              <a:latin typeface="Calibri" panose="020F0502020204030204" pitchFamily="34" charset="0"/>
+              <a:ea typeface="Malgun Gothic" panose="020B0503020000020004" pitchFamily="34" charset="-127"/>
+              <a:cs typeface="Times New Roman" panose="02020603050405020304" pitchFamily="18" charset="0"/>
+            </a:endParaRPr>
+          </a:p>
+          <a:p>
+            <a:pPr marL="0" marR="0">
+              <a:lnSpc>
+                <a:spcPct val="107000"/>
+              </a:lnSpc>
+              <a:spcBef>
+                <a:spcPts val="0"/>
+              </a:spcBef>
+              <a:spcAft>
+                <a:spcPts val="800"/>
+              </a:spcAft>
+            </a:pPr>
+            <a:r>
+              <a:rPr lang="en-US" sz="1200" dirty="0">
+                <a:solidFill>
+                  <a:srgbClr val="242729"/>
+                </a:solidFill>
+                <a:effectLst/>
+                <a:latin typeface="Arial" panose="020B0604020202020204" pitchFamily="34" charset="0"/>
+                <a:ea typeface="Malgun Gothic" panose="020B0503020000020004" pitchFamily="34" charset="-127"/>
+                <a:cs typeface="Times New Roman" panose="02020603050405020304" pitchFamily="18" charset="0"/>
+              </a:rPr>
+              <a:t>-community</a:t>
+            </a:r>
+            <a:endParaRPr lang="en-US" sz="1100" dirty="0">
+              <a:effectLst/>
+              <a:latin typeface="Calibri" panose="020F0502020204030204" pitchFamily="34" charset="0"/>
+              <a:ea typeface="Malgun Gothic" panose="020B0503020000020004" pitchFamily="34" charset="-127"/>
+              <a:cs typeface="Times New Roman" panose="02020603050405020304" pitchFamily="18" charset="0"/>
+            </a:endParaRPr>
+          </a:p>
+          <a:p>
+            <a:endParaRPr lang="en-US" dirty="0"/>
+          </a:p>
+        </p:txBody>
+      </p:sp>
+      <p:sp>
+        <p:nvSpPr>
+          <p:cNvPr id="4" name="Slide Number Placeholder 3"/>
+          <p:cNvSpPr>
+            <a:spLocks noGrp="1"/>
+          </p:cNvSpPr>
+          <p:nvPr>
+            <p:ph type="sldNum" sz="quarter" idx="5"/>
+          </p:nvPr>
+        </p:nvSpPr>
+        <p:spPr/>
+        <p:txBody>
+          <a:bodyPr/>
+          <a:lstStyle/>
+          <a:p>
+            <a:fld id="{4FBCB1FD-6A52-4234-B3EB-D3A6D61CB530}" type="slidenum">
+              <a:rPr lang="en-US" smtClean="0"/>
+              <a:t>6</a:t>
+            </a:fld>
+            <a:endParaRPr lang="en-US"/>
+          </a:p>
+        </p:txBody>
+      </p:sp>
+    </p:spTree>
+    <p:extLst>
+      <p:ext uri="{BB962C8B-B14F-4D97-AF65-F5344CB8AC3E}">
+        <p14:creationId xmlns:p14="http://schemas.microsoft.com/office/powerpoint/2010/main" val="92833230"/>
+      </p:ext>
+    </p:extLst>
+  </p:cSld>
+  <p:clrMapOvr>
+    <a:masterClrMapping/>
+  </p:clrMapOvr>
+</p:notes>
+</file>
+
+<file path=ppt/notesSlides/notesSlide5.xml><?xml version="1.0" encoding="utf-8"?>
+<p:notes xmlns:a="http://schemas.openxmlformats.org/drawingml/2006/main" xmlns:r="http://schemas.openxmlformats.org/officeDocument/2006/relationships" xmlns:p="http://schemas.openxmlformats.org/presentationml/2006/main">
+  <p:cSld>
+    <p:spTree>
+      <p:nvGrpSpPr>
+        <p:cNvPr id="1" name=""/>
+        <p:cNvGrpSpPr/>
+        <p:nvPr/>
+      </p:nvGrpSpPr>
+      <p:grpSpPr>
+        <a:xfrm>
+          <a:off x="0" y="0"/>
+          <a:ext cx="0" cy="0"/>
+          <a:chOff x="0" y="0"/>
+          <a:chExt cx="0" cy="0"/>
+        </a:xfrm>
+      </p:grpSpPr>
+      <p:sp>
+        <p:nvSpPr>
+          <p:cNvPr id="2" name="Slide Image Placeholder 1"/>
+          <p:cNvSpPr>
+            <a:spLocks noGrp="1" noRot="1" noChangeAspect="1"/>
+          </p:cNvSpPr>
+          <p:nvPr>
+            <p:ph type="sldImg"/>
+          </p:nvPr>
+        </p:nvSpPr>
+        <p:spPr/>
+      </p:sp>
+      <p:sp>
+        <p:nvSpPr>
+          <p:cNvPr id="3" name="Notes Placeholder 2"/>
+          <p:cNvSpPr>
+            <a:spLocks noGrp="1"/>
+          </p:cNvSpPr>
+          <p:nvPr>
+            <p:ph type="body" idx="1"/>
+          </p:nvPr>
+        </p:nvSpPr>
+        <p:spPr/>
+        <p:txBody>
+          <a:bodyPr/>
+          <a:lstStyle/>
+          <a:p>
+            <a:pPr marL="0" marR="0" lvl="0" indent="0" algn="l" defTabSz="914400" rtl="0" eaLnBrk="1" fontAlgn="auto" latinLnBrk="0" hangingPunct="1">
+              <a:lnSpc>
+                <a:spcPct val="100000"/>
+              </a:lnSpc>
+              <a:spcBef>
+                <a:spcPts val="0"/>
+              </a:spcBef>
+              <a:spcAft>
+                <a:spcPts val="0"/>
+              </a:spcAft>
+              <a:buClrTx/>
+              <a:buSzTx/>
+              <a:buFontTx/>
+              <a:buNone/>
+              <a:tabLst/>
+              <a:defRPr/>
+            </a:pPr>
+            <a:r>
+              <a:rPr lang="en-US" dirty="0">
+                <a:latin typeface="Avenir Next LT Pro Light" panose="020B0304020202020204" pitchFamily="34" charset="0"/>
+              </a:rPr>
+              <a:t>Management </a:t>
+            </a:r>
+            <a:r>
+              <a:rPr lang="en-US" dirty="0"/>
+              <a:t>KNN for better training data</a:t>
+            </a:r>
+          </a:p>
+          <a:p>
+            <a:endParaRPr lang="en-US" dirty="0">
+              <a:latin typeface="Avenir Next LT Pro Light" panose="020B0304020202020204" pitchFamily="34" charset="0"/>
+            </a:endParaRPr>
+          </a:p>
+          <a:p>
+            <a:pPr lvl="1"/>
+            <a:r>
+              <a:rPr lang="en-US" dirty="0">
+                <a:latin typeface="Avenir Next LT Pro Light" panose="020B0304020202020204" pitchFamily="34" charset="0"/>
+              </a:rPr>
+              <a:t>Data Collection</a:t>
+            </a:r>
+          </a:p>
+          <a:p>
+            <a:pPr lvl="1"/>
+            <a:r>
+              <a:rPr lang="en-US" dirty="0">
+                <a:latin typeface="Avenir Next LT Pro Light" panose="020B0304020202020204" pitchFamily="34" charset="0"/>
+              </a:rPr>
+              <a:t>Education</a:t>
+            </a:r>
+          </a:p>
+          <a:p>
+            <a:pPr lvl="1"/>
+            <a:r>
+              <a:rPr lang="en-US" dirty="0">
+                <a:latin typeface="Avenir Next LT Pro Light" panose="020B0304020202020204" pitchFamily="34" charset="0"/>
+              </a:rPr>
+              <a:t>Maintenance</a:t>
+            </a:r>
+          </a:p>
+          <a:p>
+            <a:r>
+              <a:rPr lang="en-US" dirty="0">
+                <a:latin typeface="Avenir Next LT Pro Light" panose="020B0304020202020204" pitchFamily="34" charset="0"/>
+              </a:rPr>
+              <a:t>Stronger Training Data</a:t>
+            </a:r>
+          </a:p>
+          <a:p>
+            <a:r>
+              <a:rPr lang="en-US" dirty="0">
+                <a:latin typeface="Avenir Next LT Pro Light" panose="020B0304020202020204" pitchFamily="34" charset="0"/>
+              </a:rPr>
+              <a:t>Other Models</a:t>
+            </a:r>
+          </a:p>
+          <a:p>
+            <a:endParaRPr lang="en-US" dirty="0"/>
+          </a:p>
+        </p:txBody>
+      </p:sp>
+      <p:sp>
+        <p:nvSpPr>
+          <p:cNvPr id="4" name="Slide Number Placeholder 3"/>
+          <p:cNvSpPr>
+            <a:spLocks noGrp="1"/>
+          </p:cNvSpPr>
+          <p:nvPr>
+            <p:ph type="sldNum" sz="quarter" idx="5"/>
+          </p:nvPr>
+        </p:nvSpPr>
+        <p:spPr/>
+        <p:txBody>
+          <a:bodyPr/>
+          <a:lstStyle/>
+          <a:p>
+            <a:fld id="{4FBCB1FD-6A52-4234-B3EB-D3A6D61CB530}" type="slidenum">
+              <a:rPr lang="en-US" smtClean="0"/>
+              <a:t>11</a:t>
+            </a:fld>
+            <a:endParaRPr lang="en-US"/>
+          </a:p>
+        </p:txBody>
+      </p:sp>
+    </p:spTree>
+    <p:extLst>
+      <p:ext uri="{BB962C8B-B14F-4D97-AF65-F5344CB8AC3E}">
+        <p14:creationId xmlns:p14="http://schemas.microsoft.com/office/powerpoint/2010/main" val="905871603"/>
       </p:ext>
     </p:extLst>
   </p:cSld>
@@ -4062,10 +4558,10 @@
       </p:grpSpPr>
       <p:pic>
         <p:nvPicPr>
-          <p:cNvPr id="9" name="Picture 8">
-            <a:extLst>
-              <a:ext uri="{FF2B5EF4-FFF2-40B4-BE49-F238E27FC236}">
-                <a16:creationId xmlns:a16="http://schemas.microsoft.com/office/drawing/2014/main" id="{F9B95F4F-BCE9-4C85-82BF-7E162328C366}"/>
+          <p:cNvPr id="2" name="Picture 1">
+            <a:extLst>
+              <a:ext uri="{FF2B5EF4-FFF2-40B4-BE49-F238E27FC236}">
+                <a16:creationId xmlns:a16="http://schemas.microsoft.com/office/drawing/2014/main" id="{505BC583-0099-4B7D-95A2-F67159D522F1}"/>
               </a:ext>
             </a:extLst>
           </p:cNvPr>
@@ -4076,6 +4572,75 @@
         </p:nvPicPr>
         <p:blipFill>
           <a:blip r:embed="rId2">
+            <a:extLst>
+              <a:ext uri="{28A0092B-C50C-407E-A947-70E740481C1C}">
+                <a14:useLocalDpi xmlns:a14="http://schemas.microsoft.com/office/drawing/2010/main" val="0"/>
+              </a:ext>
+            </a:extLst>
+          </a:blip>
+          <a:stretch>
+            <a:fillRect/>
+          </a:stretch>
+        </p:blipFill>
+        <p:spPr>
+          <a:xfrm>
+            <a:off x="2220879" y="1307583"/>
+            <a:ext cx="7750242" cy="4242833"/>
+          </a:xfrm>
+          <a:prstGeom prst="rect">
+            <a:avLst/>
+          </a:prstGeom>
+          <a:effectLst>
+            <a:softEdge rad="127000"/>
+          </a:effectLst>
+        </p:spPr>
+      </p:pic>
+    </p:spTree>
+    <p:extLst>
+      <p:ext uri="{BB962C8B-B14F-4D97-AF65-F5344CB8AC3E}">
+        <p14:creationId xmlns:p14="http://schemas.microsoft.com/office/powerpoint/2010/main" val="1103626668"/>
+      </p:ext>
+    </p:extLst>
+  </p:cSld>
+  <p:clrMapOvr>
+    <a:masterClrMapping/>
+  </p:clrMapOvr>
+</p:sld>
+</file>
+
+<file path=ppt/slides/slide11.xml><?xml version="1.0" encoding="utf-8"?>
+<p:sld xmlns:a="http://schemas.openxmlformats.org/drawingml/2006/main" xmlns:r="http://schemas.openxmlformats.org/officeDocument/2006/relationships" xmlns:p="http://schemas.openxmlformats.org/presentationml/2006/main">
+  <p:cSld>
+    <p:spTree>
+      <p:nvGrpSpPr>
+        <p:cNvPr id="1" name=""/>
+        <p:cNvGrpSpPr/>
+        <p:nvPr/>
+      </p:nvGrpSpPr>
+      <p:grpSpPr>
+        <a:xfrm>
+          <a:off x="0" y="0"/>
+          <a:ext cx="0" cy="0"/>
+          <a:chOff x="0" y="0"/>
+          <a:chExt cx="0" cy="0"/>
+        </a:xfrm>
+      </p:grpSpPr>
+      <p:pic>
+        <p:nvPicPr>
+          <p:cNvPr id="9" name="Picture 8">
+            <a:extLst>
+              <a:ext uri="{FF2B5EF4-FFF2-40B4-BE49-F238E27FC236}">
+                <a16:creationId xmlns:a16="http://schemas.microsoft.com/office/drawing/2014/main" id="{F9B95F4F-BCE9-4C85-82BF-7E162328C366}"/>
+              </a:ext>
+            </a:extLst>
+          </p:cNvPr>
+          <p:cNvPicPr>
+            <a:picLocks noChangeAspect="1"/>
+          </p:cNvPicPr>
+          <p:nvPr/>
+        </p:nvPicPr>
+        <p:blipFill>
+          <a:blip r:embed="rId3">
             <a:extLst>
               <a:ext uri="{28A0092B-C50C-407E-A947-70E740481C1C}">
                 <a14:useLocalDpi xmlns:a14="http://schemas.microsoft.com/office/drawing/2010/main" val="0"/>
@@ -4184,14 +4749,271 @@
           <a:p>
             <a:pPr algn="r"/>
             <a:r>
-              <a:rPr lang="en-US">
-                <a:latin typeface="Bahnschrift Light" panose="020B0502040204020203" pitchFamily="34" charset="0"/>
+              <a:rPr lang="en-US" dirty="0">
+                <a:latin typeface="Avenir Next LT Pro Light" panose="020B0304020202020204" pitchFamily="34" charset="0"/>
               </a:rPr>
               <a:t>Summary</a:t>
             </a:r>
-            <a:endParaRPr lang="en-US" dirty="0">
-              <a:latin typeface="Bahnschrift Light" panose="020B0502040204020203" pitchFamily="34" charset="0"/>
-            </a:endParaRPr>
+          </a:p>
+        </p:txBody>
+      </p:sp>
+      <p:sp>
+        <p:nvSpPr>
+          <p:cNvPr id="5" name="Content Placeholder 2">
+            <a:extLst>
+              <a:ext uri="{FF2B5EF4-FFF2-40B4-BE49-F238E27FC236}">
+                <a16:creationId xmlns:a16="http://schemas.microsoft.com/office/drawing/2014/main" id="{305A9702-D861-4D5C-A25B-3D92568E1096}"/>
+              </a:ext>
+            </a:extLst>
+          </p:cNvPr>
+          <p:cNvSpPr txBox="1">
+            <a:spLocks/>
+          </p:cNvSpPr>
+          <p:nvPr/>
+        </p:nvSpPr>
+        <p:spPr>
+          <a:xfrm>
+            <a:off x="4806519" y="1690688"/>
+            <a:ext cx="4639322" cy="4351338"/>
+          </a:xfrm>
+          <a:prstGeom prst="rect">
+            <a:avLst/>
+          </a:prstGeom>
+        </p:spPr>
+        <p:txBody>
+          <a:bodyPr/>
+          <a:lstStyle>
+            <a:lvl1pPr marL="228600" indent="-228600" algn="l" defTabSz="914400" rtl="0" eaLnBrk="1" latinLnBrk="0" hangingPunct="1">
+              <a:lnSpc>
+                <a:spcPct val="90000"/>
+              </a:lnSpc>
+              <a:spcBef>
+                <a:spcPts val="1000"/>
+              </a:spcBef>
+              <a:buFont typeface="Arial" panose="020B0604020202020204" pitchFamily="34" charset="0"/>
+              <a:buChar char="•"/>
+              <a:defRPr sz="2800" kern="1200">
+                <a:solidFill>
+                  <a:schemeClr val="tx1"/>
+                </a:solidFill>
+                <a:latin typeface="+mn-lt"/>
+                <a:ea typeface="+mn-ea"/>
+                <a:cs typeface="+mn-cs"/>
+              </a:defRPr>
+            </a:lvl1pPr>
+            <a:lvl2pPr marL="685800" indent="-228600" algn="l" defTabSz="914400" rtl="0" eaLnBrk="1" latinLnBrk="0" hangingPunct="1">
+              <a:lnSpc>
+                <a:spcPct val="90000"/>
+              </a:lnSpc>
+              <a:spcBef>
+                <a:spcPts val="500"/>
+              </a:spcBef>
+              <a:buFont typeface="Arial" panose="020B0604020202020204" pitchFamily="34" charset="0"/>
+              <a:buChar char="•"/>
+              <a:defRPr sz="2400" kern="1200">
+                <a:solidFill>
+                  <a:schemeClr val="tx1"/>
+                </a:solidFill>
+                <a:latin typeface="+mn-lt"/>
+                <a:ea typeface="+mn-ea"/>
+                <a:cs typeface="+mn-cs"/>
+              </a:defRPr>
+            </a:lvl2pPr>
+            <a:lvl3pPr marL="1143000" indent="-228600" algn="l" defTabSz="914400" rtl="0" eaLnBrk="1" latinLnBrk="0" hangingPunct="1">
+              <a:lnSpc>
+                <a:spcPct val="90000"/>
+              </a:lnSpc>
+              <a:spcBef>
+                <a:spcPts val="500"/>
+              </a:spcBef>
+              <a:buFont typeface="Arial" panose="020B0604020202020204" pitchFamily="34" charset="0"/>
+              <a:buChar char="•"/>
+              <a:defRPr sz="2000" kern="1200">
+                <a:solidFill>
+                  <a:schemeClr val="tx1"/>
+                </a:solidFill>
+                <a:latin typeface="+mn-lt"/>
+                <a:ea typeface="+mn-ea"/>
+                <a:cs typeface="+mn-cs"/>
+              </a:defRPr>
+            </a:lvl3pPr>
+            <a:lvl4pPr marL="1600200" indent="-228600" algn="l" defTabSz="914400" rtl="0" eaLnBrk="1" latinLnBrk="0" hangingPunct="1">
+              <a:lnSpc>
+                <a:spcPct val="90000"/>
+              </a:lnSpc>
+              <a:spcBef>
+                <a:spcPts val="500"/>
+              </a:spcBef>
+              <a:buFont typeface="Arial" panose="020B0604020202020204" pitchFamily="34" charset="0"/>
+              <a:buChar char="•"/>
+              <a:defRPr sz="1800" kern="1200">
+                <a:solidFill>
+                  <a:schemeClr val="tx1"/>
+                </a:solidFill>
+                <a:latin typeface="+mn-lt"/>
+                <a:ea typeface="+mn-ea"/>
+                <a:cs typeface="+mn-cs"/>
+              </a:defRPr>
+            </a:lvl4pPr>
+            <a:lvl5pPr marL="2057400" indent="-228600" algn="l" defTabSz="914400" rtl="0" eaLnBrk="1" latinLnBrk="0" hangingPunct="1">
+              <a:lnSpc>
+                <a:spcPct val="90000"/>
+              </a:lnSpc>
+              <a:spcBef>
+                <a:spcPts val="500"/>
+              </a:spcBef>
+              <a:buFont typeface="Arial" panose="020B0604020202020204" pitchFamily="34" charset="0"/>
+              <a:buChar char="•"/>
+              <a:defRPr sz="1800" kern="1200">
+                <a:solidFill>
+                  <a:schemeClr val="tx1"/>
+                </a:solidFill>
+                <a:latin typeface="+mn-lt"/>
+                <a:ea typeface="+mn-ea"/>
+                <a:cs typeface="+mn-cs"/>
+              </a:defRPr>
+            </a:lvl5pPr>
+            <a:lvl6pPr marL="2514600" indent="-228600" algn="l" defTabSz="914400" rtl="0" eaLnBrk="1" latinLnBrk="0" hangingPunct="1">
+              <a:lnSpc>
+                <a:spcPct val="90000"/>
+              </a:lnSpc>
+              <a:spcBef>
+                <a:spcPts val="500"/>
+              </a:spcBef>
+              <a:buFont typeface="Arial" panose="020B0604020202020204" pitchFamily="34" charset="0"/>
+              <a:buChar char="•"/>
+              <a:defRPr sz="1800" kern="1200">
+                <a:solidFill>
+                  <a:schemeClr val="tx1"/>
+                </a:solidFill>
+                <a:latin typeface="+mn-lt"/>
+                <a:ea typeface="+mn-ea"/>
+                <a:cs typeface="+mn-cs"/>
+              </a:defRPr>
+            </a:lvl6pPr>
+            <a:lvl7pPr marL="2971800" indent="-228600" algn="l" defTabSz="914400" rtl="0" eaLnBrk="1" latinLnBrk="0" hangingPunct="1">
+              <a:lnSpc>
+                <a:spcPct val="90000"/>
+              </a:lnSpc>
+              <a:spcBef>
+                <a:spcPts val="500"/>
+              </a:spcBef>
+              <a:buFont typeface="Arial" panose="020B0604020202020204" pitchFamily="34" charset="0"/>
+              <a:buChar char="•"/>
+              <a:defRPr sz="1800" kern="1200">
+                <a:solidFill>
+                  <a:schemeClr val="tx1"/>
+                </a:solidFill>
+                <a:latin typeface="+mn-lt"/>
+                <a:ea typeface="+mn-ea"/>
+                <a:cs typeface="+mn-cs"/>
+              </a:defRPr>
+            </a:lvl7pPr>
+            <a:lvl8pPr marL="3429000" indent="-228600" algn="l" defTabSz="914400" rtl="0" eaLnBrk="1" latinLnBrk="0" hangingPunct="1">
+              <a:lnSpc>
+                <a:spcPct val="90000"/>
+              </a:lnSpc>
+              <a:spcBef>
+                <a:spcPts val="500"/>
+              </a:spcBef>
+              <a:buFont typeface="Arial" panose="020B0604020202020204" pitchFamily="34" charset="0"/>
+              <a:buChar char="•"/>
+              <a:defRPr sz="1800" kern="1200">
+                <a:solidFill>
+                  <a:schemeClr val="tx1"/>
+                </a:solidFill>
+                <a:latin typeface="+mn-lt"/>
+                <a:ea typeface="+mn-ea"/>
+                <a:cs typeface="+mn-cs"/>
+              </a:defRPr>
+            </a:lvl8pPr>
+            <a:lvl9pPr marL="3886200" indent="-228600" algn="l" defTabSz="914400" rtl="0" eaLnBrk="1" latinLnBrk="0" hangingPunct="1">
+              <a:lnSpc>
+                <a:spcPct val="90000"/>
+              </a:lnSpc>
+              <a:spcBef>
+                <a:spcPts val="500"/>
+              </a:spcBef>
+              <a:buFont typeface="Arial" panose="020B0604020202020204" pitchFamily="34" charset="0"/>
+              <a:buChar char="•"/>
+              <a:defRPr sz="1800" kern="1200">
+                <a:solidFill>
+                  <a:schemeClr val="tx1"/>
+                </a:solidFill>
+                <a:latin typeface="+mn-lt"/>
+                <a:ea typeface="+mn-ea"/>
+                <a:cs typeface="+mn-cs"/>
+              </a:defRPr>
+            </a:lvl9pPr>
+          </a:lstStyle>
+          <a:p>
+            <a:r>
+              <a:rPr lang="en-US" dirty="0">
+                <a:latin typeface="Avenir Next LT Pro Light" panose="020B0304020202020204" pitchFamily="34" charset="0"/>
+              </a:rPr>
+              <a:t>Resources</a:t>
+            </a:r>
+          </a:p>
+          <a:p>
+            <a:pPr lvl="1"/>
+            <a:r>
+              <a:rPr lang="en-US" dirty="0">
+                <a:latin typeface="Avenir Next LT Pro Light" panose="020B0304020202020204" pitchFamily="34" charset="0"/>
+              </a:rPr>
+              <a:t>Quantity</a:t>
+            </a:r>
+          </a:p>
+          <a:p>
+            <a:r>
+              <a:rPr lang="en-US" dirty="0">
+                <a:latin typeface="Avenir Next LT Pro Light" panose="020B0304020202020204" pitchFamily="34" charset="0"/>
+              </a:rPr>
+              <a:t>Characteristics</a:t>
+            </a:r>
+          </a:p>
+          <a:p>
+            <a:pPr lvl="1"/>
+            <a:r>
+              <a:rPr lang="en-US" dirty="0">
+                <a:latin typeface="Avenir Next LT Pro Light" panose="020B0304020202020204" pitchFamily="34" charset="0"/>
+              </a:rPr>
+              <a:t>Waterpoint Type</a:t>
+            </a:r>
+          </a:p>
+          <a:p>
+            <a:pPr lvl="1"/>
+            <a:r>
+              <a:rPr lang="en-US" dirty="0">
+                <a:latin typeface="Avenir Next LT Pro Light" panose="020B0304020202020204" pitchFamily="34" charset="0"/>
+              </a:rPr>
+              <a:t>Extraction Type</a:t>
+            </a:r>
+          </a:p>
+          <a:p>
+            <a:r>
+              <a:rPr lang="en-US" dirty="0">
+                <a:latin typeface="Avenir Next LT Pro Light" panose="020B0304020202020204" pitchFamily="34" charset="0"/>
+              </a:rPr>
+              <a:t>Management</a:t>
+            </a:r>
+          </a:p>
+          <a:p>
+            <a:pPr lvl="1"/>
+            <a:r>
+              <a:rPr lang="en-US" dirty="0">
+                <a:latin typeface="Avenir Next LT Pro Light" panose="020B0304020202020204" pitchFamily="34" charset="0"/>
+              </a:rPr>
+              <a:t>Payment Type</a:t>
+            </a:r>
+          </a:p>
+          <a:p>
+            <a:pPr lvl="1"/>
+            <a:r>
+              <a:rPr lang="en-US" dirty="0">
+                <a:latin typeface="Avenir Next LT Pro Light" panose="020B0304020202020204" pitchFamily="34" charset="0"/>
+              </a:rPr>
+              <a:t>Management Group</a:t>
+            </a:r>
           </a:p>
         </p:txBody>
       </p:sp>
@@ -4199,116 +5021,6 @@
     <p:extLst>
       <p:ext uri="{BB962C8B-B14F-4D97-AF65-F5344CB8AC3E}">
         <p14:creationId xmlns:p14="http://schemas.microsoft.com/office/powerpoint/2010/main" val="3850966085"/>
-      </p:ext>
-    </p:extLst>
-  </p:cSld>
-  <p:clrMapOvr>
-    <a:masterClrMapping/>
-  </p:clrMapOvr>
-</p:sld>
-</file>
-
-<file path=ppt/slides/slide11.xml><?xml version="1.0" encoding="utf-8"?>
-<p:sld xmlns:a="http://schemas.openxmlformats.org/drawingml/2006/main" xmlns:r="http://schemas.openxmlformats.org/officeDocument/2006/relationships" xmlns:p="http://schemas.openxmlformats.org/presentationml/2006/main">
-  <p:cSld>
-    <p:spTree>
-      <p:nvGrpSpPr>
-        <p:cNvPr id="1" name=""/>
-        <p:cNvGrpSpPr/>
-        <p:nvPr/>
-      </p:nvGrpSpPr>
-      <p:grpSpPr>
-        <a:xfrm>
-          <a:off x="0" y="0"/>
-          <a:ext cx="0" cy="0"/>
-          <a:chOff x="0" y="0"/>
-          <a:chExt cx="0" cy="0"/>
-        </a:xfrm>
-      </p:grpSpPr>
-      <p:sp>
-        <p:nvSpPr>
-          <p:cNvPr id="3" name="Content Placeholder 2">
-            <a:extLst>
-              <a:ext uri="{FF2B5EF4-FFF2-40B4-BE49-F238E27FC236}">
-                <a16:creationId xmlns:a16="http://schemas.microsoft.com/office/drawing/2014/main" id="{84A0041A-A916-4CD5-9BCE-31115AC19116}"/>
-              </a:ext>
-            </a:extLst>
-          </p:cNvPr>
-          <p:cNvSpPr>
-            <a:spLocks noGrp="1"/>
-          </p:cNvSpPr>
-          <p:nvPr>
-            <p:ph idx="1"/>
-          </p:nvPr>
-        </p:nvSpPr>
-        <p:spPr/>
-        <p:txBody>
-          <a:bodyPr/>
-          <a:lstStyle/>
-          <a:p>
-            <a:r>
-              <a:rPr lang="en-US" dirty="0" err="1">
-                <a:latin typeface="Bahnschrift Light" panose="020B0502040204020203" pitchFamily="34" charset="0"/>
-              </a:rPr>
-              <a:t>Asdf</a:t>
-            </a:r>
-            <a:endParaRPr lang="en-US" dirty="0">
-              <a:latin typeface="Bahnschrift Light" panose="020B0502040204020203" pitchFamily="34" charset="0"/>
-            </a:endParaRPr>
-          </a:p>
-          <a:p>
-            <a:r>
-              <a:rPr lang="en-US" dirty="0" err="1">
-                <a:latin typeface="Bahnschrift Light" panose="020B0502040204020203" pitchFamily="34" charset="0"/>
-              </a:rPr>
-              <a:t>Asdf</a:t>
-            </a:r>
-            <a:endParaRPr lang="en-US" dirty="0">
-              <a:latin typeface="Bahnschrift Light" panose="020B0502040204020203" pitchFamily="34" charset="0"/>
-            </a:endParaRPr>
-          </a:p>
-          <a:p>
-            <a:r>
-              <a:rPr lang="en-US" dirty="0" err="1">
-                <a:latin typeface="Bahnschrift Light" panose="020B0502040204020203" pitchFamily="34" charset="0"/>
-              </a:rPr>
-              <a:t>asdf</a:t>
-            </a:r>
-            <a:endParaRPr lang="en-US" dirty="0">
-              <a:latin typeface="Bahnschrift Light" panose="020B0502040204020203" pitchFamily="34" charset="0"/>
-            </a:endParaRPr>
-          </a:p>
-        </p:txBody>
-      </p:sp>
-      <p:sp>
-        <p:nvSpPr>
-          <p:cNvPr id="5" name="Title 4">
-            <a:extLst>
-              <a:ext uri="{FF2B5EF4-FFF2-40B4-BE49-F238E27FC236}">
-                <a16:creationId xmlns:a16="http://schemas.microsoft.com/office/drawing/2014/main" id="{F8B9180E-90DB-46D0-BAD3-0A9C2CAC831E}"/>
-              </a:ext>
-            </a:extLst>
-          </p:cNvPr>
-          <p:cNvSpPr>
-            <a:spLocks noGrp="1"/>
-          </p:cNvSpPr>
-          <p:nvPr>
-            <p:ph type="title"/>
-          </p:nvPr>
-        </p:nvSpPr>
-        <p:spPr/>
-        <p:txBody>
-          <a:bodyPr/>
-          <a:lstStyle/>
-          <a:p>
-            <a:endParaRPr lang="en-US"/>
-          </a:p>
-        </p:txBody>
-      </p:sp>
-    </p:spTree>
-    <p:extLst>
-      <p:ext uri="{BB962C8B-B14F-4D97-AF65-F5344CB8AC3E}">
-        <p14:creationId xmlns:p14="http://schemas.microsoft.com/office/powerpoint/2010/main" val="698161306"/>
       </p:ext>
     </p:extLst>
   </p:cSld>
@@ -4502,7 +5214,12 @@
             <p:ph idx="1"/>
           </p:nvPr>
         </p:nvSpPr>
-        <p:spPr/>
+        <p:spPr>
+          <a:xfrm>
+            <a:off x="838200" y="2207365"/>
+            <a:ext cx="10515600" cy="4351338"/>
+          </a:xfrm>
+        </p:spPr>
         <p:txBody>
           <a:bodyPr>
             <a:normAutofit/>
@@ -4516,44 +5233,18 @@
               <a:rPr lang="en-US" dirty="0">
                 <a:latin typeface="Avenir Next LT Pro Light" panose="020B0304020202020204" pitchFamily="34" charset="0"/>
               </a:rPr>
-              <a:t>Current situation: Many waterpoints already established, but some are in need of repair, while others are not functional.</a:t>
-            </a:r>
-          </a:p>
-          <a:p>
-            <a:pPr marL="0" indent="0">
+              <a:t>“Tanzania, as a developing country, struggles with providing clean water to its population of over 57,000,000. There are many waterpoints already established in the country, but some are in need of repair while others have failed altogether.”</a:t>
+            </a:r>
+          </a:p>
+          <a:p>
+            <a:pPr marL="0" indent="0" algn="r">
               <a:buNone/>
             </a:pPr>
             <a:r>
-              <a:rPr lang="en-US" dirty="0">
+              <a:rPr lang="en-US" sz="1800" dirty="0">
                 <a:latin typeface="Avenir Next LT Pro Light" panose="020B0304020202020204" pitchFamily="34" charset="0"/>
               </a:rPr>
-              <a:t>Tanzania, as a developing country, struggles with providing clean water to its population of over 57,000,000. There are many waterpoints already established in the country, but some are in need of repair while others have failed altogether.</a:t>
-            </a:r>
-          </a:p>
-          <a:p>
-            <a:pPr marL="0" indent="0">
-              <a:buNone/>
-            </a:pPr>
-            <a:r>
-              <a:rPr lang="en-US" b="0" i="0" dirty="0">
-                <a:solidFill>
-                  <a:srgbClr val="17344A"/>
-                </a:solidFill>
-                <a:effectLst/>
-                <a:latin typeface="Avenir Next LT Pro Light" panose="020B0304020202020204" pitchFamily="34" charset="0"/>
-              </a:rPr>
-              <a:t>A smart understanding of which waterpoints will fail can improve maintenance operations and ensure that clean, potable water is available to communities across Tanzania.</a:t>
-            </a:r>
-          </a:p>
-          <a:p>
-            <a:pPr marL="0" indent="0">
-              <a:buNone/>
-            </a:pPr>
-            <a:r>
-              <a:rPr lang="en-US" dirty="0">
-                <a:latin typeface="Avenir Next LT Pro Light" panose="020B0304020202020204" pitchFamily="34" charset="0"/>
-              </a:rPr>
-              <a:t>Predict the functionality of waterpoints given variables.</a:t>
+              <a:t>-drivendata.org</a:t>
             </a:r>
           </a:p>
         </p:txBody>
@@ -4590,6 +5281,87 @@
       </p:grpSpPr>
       <p:sp>
         <p:nvSpPr>
+          <p:cNvPr id="5" name="TextBox 4">
+            <a:extLst>
+              <a:ext uri="{FF2B5EF4-FFF2-40B4-BE49-F238E27FC236}">
+                <a16:creationId xmlns:a16="http://schemas.microsoft.com/office/drawing/2014/main" id="{46472329-8800-458C-89D4-7CF47B4B62BB}"/>
+              </a:ext>
+            </a:extLst>
+          </p:cNvPr>
+          <p:cNvSpPr txBox="1"/>
+          <p:nvPr/>
+        </p:nvSpPr>
+        <p:spPr>
+          <a:xfrm>
+            <a:off x="1791439" y="2833068"/>
+            <a:ext cx="8609121" cy="595932"/>
+          </a:xfrm>
+          <a:prstGeom prst="rect">
+            <a:avLst/>
+          </a:prstGeom>
+          <a:noFill/>
+        </p:spPr>
+        <p:txBody>
+          <a:bodyPr wrap="square">
+            <a:spAutoFit/>
+          </a:bodyPr>
+          <a:lstStyle/>
+          <a:p>
+            <a:pPr marL="0" marR="0" algn="ctr">
+              <a:lnSpc>
+                <a:spcPct val="107000"/>
+              </a:lnSpc>
+              <a:spcBef>
+                <a:spcPts val="0"/>
+              </a:spcBef>
+              <a:spcAft>
+                <a:spcPts val="800"/>
+              </a:spcAft>
+            </a:pPr>
+            <a:r>
+              <a:rPr lang="en-US" sz="3200" dirty="0">
+                <a:effectLst/>
+                <a:latin typeface="Avenir Next LT Pro Light" panose="020B0304020202020204" pitchFamily="34" charset="0"/>
+                <a:ea typeface="Malgun Gothic" panose="020B0503020000020004" pitchFamily="34" charset="-127"/>
+                <a:cs typeface="Times New Roman" panose="02020603050405020304" pitchFamily="18" charset="0"/>
+              </a:rPr>
+              <a:t>What determines waterpoint functionality?</a:t>
+            </a:r>
+          </a:p>
+        </p:txBody>
+      </p:sp>
+    </p:spTree>
+    <p:extLst>
+      <p:ext uri="{BB962C8B-B14F-4D97-AF65-F5344CB8AC3E}">
+        <p14:creationId xmlns:p14="http://schemas.microsoft.com/office/powerpoint/2010/main" val="1634433542"/>
+      </p:ext>
+    </p:extLst>
+  </p:cSld>
+  <p:clrMapOvr>
+    <a:masterClrMapping/>
+  </p:clrMapOvr>
+</p:sld>
+</file>
+
+<file path=ppt/slides/slide4.xml><?xml version="1.0" encoding="utf-8"?>
+<p:sld xmlns:a="http://schemas.openxmlformats.org/drawingml/2006/main" xmlns:r="http://schemas.openxmlformats.org/officeDocument/2006/relationships" xmlns:p="http://schemas.openxmlformats.org/presentationml/2006/main">
+  <p:cSld>
+    <p:spTree>
+      <p:nvGrpSpPr>
+        <p:cNvPr id="1" name=""/>
+        <p:cNvGrpSpPr/>
+        <p:nvPr/>
+      </p:nvGrpSpPr>
+      <p:grpSpPr>
+        <a:xfrm>
+          <a:off x="0" y="0"/>
+          <a:ext cx="0" cy="0"/>
+          <a:chOff x="0" y="0"/>
+          <a:chExt cx="0" cy="0"/>
+        </a:xfrm>
+      </p:grpSpPr>
+      <p:sp>
+        <p:nvSpPr>
           <p:cNvPr id="2" name="Title 1">
             <a:extLst>
               <a:ext uri="{FF2B5EF4-FFF2-40B4-BE49-F238E27FC236}">
@@ -4610,7 +5382,9 @@
           <a:lstStyle/>
           <a:p>
             <a:r>
-              <a:rPr lang="en-US" dirty="0"/>
+              <a:rPr lang="en-US" dirty="0">
+                <a:latin typeface="Avenir Next LT Pro Light" panose="020B0304020202020204" pitchFamily="34" charset="0"/>
+              </a:rPr>
               <a:t>The Data</a:t>
             </a:r>
           </a:p>
@@ -4668,7 +5442,7 @@
 </p:sld>
 </file>
 
-<file path=ppt/slides/slide4.xml><?xml version="1.0" encoding="utf-8"?>
+<file path=ppt/slides/slide5.xml><?xml version="1.0" encoding="utf-8"?>
 <p:sld xmlns:a="http://schemas.openxmlformats.org/drawingml/2006/main" xmlns:r="http://schemas.openxmlformats.org/officeDocument/2006/relationships" xmlns:p="http://schemas.openxmlformats.org/presentationml/2006/main">
   <p:cSld>
     <p:spTree>
@@ -4811,36 +5585,6 @@
 </p:sld>
 </file>
 
-<file path=ppt/slides/slide5.xml><?xml version="1.0" encoding="utf-8"?>
-<p:sld xmlns:a="http://schemas.openxmlformats.org/drawingml/2006/main" xmlns:r="http://schemas.openxmlformats.org/officeDocument/2006/relationships" xmlns:p="http://schemas.openxmlformats.org/presentationml/2006/main">
-  <p:cSld>
-    <p:spTree>
-      <p:nvGrpSpPr>
-        <p:cNvPr id="1" name=""/>
-        <p:cNvGrpSpPr/>
-        <p:nvPr/>
-      </p:nvGrpSpPr>
-      <p:grpSpPr>
-        <a:xfrm>
-          <a:off x="0" y="0"/>
-          <a:ext cx="0" cy="0"/>
-          <a:chOff x="0" y="0"/>
-          <a:chExt cx="0" cy="0"/>
-        </a:xfrm>
-      </p:grpSpPr>
-    </p:spTree>
-    <p:extLst>
-      <p:ext uri="{BB962C8B-B14F-4D97-AF65-F5344CB8AC3E}">
-        <p14:creationId xmlns:p14="http://schemas.microsoft.com/office/powerpoint/2010/main" val="3430494759"/>
-      </p:ext>
-    </p:extLst>
-  </p:cSld>
-  <p:clrMapOvr>
-    <a:masterClrMapping/>
-  </p:clrMapOvr>
-</p:sld>
-</file>
-
 <file path=ppt/slides/slide6.xml><?xml version="1.0" encoding="utf-8"?>
 <p:sld xmlns:a="http://schemas.openxmlformats.org/drawingml/2006/main" xmlns:r="http://schemas.openxmlformats.org/officeDocument/2006/relationships" xmlns:p="http://schemas.openxmlformats.org/presentationml/2006/main">
   <p:cSld>
@@ -4858,40 +5602,292 @@
           <a:chExt cx="0" cy="0"/>
         </a:xfrm>
       </p:grpSpPr>
-      <p:sp>
-        <p:nvSpPr>
-          <p:cNvPr id="2" name="Title 1">
-            <a:extLst>
-              <a:ext uri="{FF2B5EF4-FFF2-40B4-BE49-F238E27FC236}">
-                <a16:creationId xmlns:a16="http://schemas.microsoft.com/office/drawing/2014/main" id="{CE8623D0-BCA0-4110-953E-64A9304E8618}"/>
-              </a:ext>
-            </a:extLst>
-          </p:cNvPr>
-          <p:cNvSpPr>
-            <a:spLocks noGrp="1"/>
-          </p:cNvSpPr>
-          <p:nvPr>
-            <p:ph type="title"/>
-          </p:nvPr>
-        </p:nvSpPr>
-        <p:spPr/>
-        <p:txBody>
-          <a:bodyPr/>
-          <a:lstStyle/>
-          <a:p>
-            <a:r>
-              <a:rPr lang="en-US" dirty="0">
-                <a:latin typeface="Avenir Next LT Pro Light" panose="020B0304020202020204" pitchFamily="34" charset="0"/>
-              </a:rPr>
-              <a:t>Models</a:t>
-            </a:r>
-          </a:p>
-        </p:txBody>
-      </p:sp>
+      <p:pic>
+        <p:nvPicPr>
+          <p:cNvPr id="1026" name="Picture 2">
+            <a:extLst>
+              <a:ext uri="{FF2B5EF4-FFF2-40B4-BE49-F238E27FC236}">
+                <a16:creationId xmlns:a16="http://schemas.microsoft.com/office/drawing/2014/main" id="{A8A0631F-0A66-49A7-973B-D8DEBBE2C10C}"/>
+              </a:ext>
+            </a:extLst>
+          </p:cNvPr>
+          <p:cNvPicPr>
+            <a:picLocks noChangeAspect="1" noChangeArrowheads="1"/>
+          </p:cNvPicPr>
+          <p:nvPr/>
+        </p:nvPicPr>
+        <p:blipFill>
+          <a:blip r:embed="rId3">
+            <a:extLst>
+              <a:ext uri="{28A0092B-C50C-407E-A947-70E740481C1C}">
+                <a14:useLocalDpi xmlns:a14="http://schemas.microsoft.com/office/drawing/2010/main" val="0"/>
+              </a:ext>
+            </a:extLst>
+          </a:blip>
+          <a:srcRect/>
+          <a:stretch>
+            <a:fillRect/>
+          </a:stretch>
+        </p:blipFill>
+        <p:spPr bwMode="auto">
+          <a:xfrm>
+            <a:off x="80130" y="495670"/>
+            <a:ext cx="4038600" cy="2667000"/>
+          </a:xfrm>
+          <a:prstGeom prst="rect">
+            <a:avLst/>
+          </a:prstGeom>
+          <a:noFill/>
+          <a:extLst>
+            <a:ext uri="{909E8E84-426E-40DD-AFC4-6F175D3DCCD1}">
+              <a14:hiddenFill xmlns:a14="http://schemas.microsoft.com/office/drawing/2010/main">
+                <a:solidFill>
+                  <a:srgbClr val="FFFFFF"/>
+                </a:solidFill>
+              </a14:hiddenFill>
+            </a:ext>
+          </a:extLst>
+        </p:spPr>
+      </p:pic>
+      <p:pic>
+        <p:nvPicPr>
+          <p:cNvPr id="1030" name="Picture 6">
+            <a:extLst>
+              <a:ext uri="{FF2B5EF4-FFF2-40B4-BE49-F238E27FC236}">
+                <a16:creationId xmlns:a16="http://schemas.microsoft.com/office/drawing/2014/main" id="{AF5FFDF7-AE3B-40AF-86E6-A076AB26ECA8}"/>
+              </a:ext>
+            </a:extLst>
+          </p:cNvPr>
+          <p:cNvPicPr>
+            <a:picLocks noChangeAspect="1" noChangeArrowheads="1"/>
+          </p:cNvPicPr>
+          <p:nvPr/>
+        </p:nvPicPr>
+        <p:blipFill>
+          <a:blip r:embed="rId4">
+            <a:extLst>
+              <a:ext uri="{28A0092B-C50C-407E-A947-70E740481C1C}">
+                <a14:useLocalDpi xmlns:a14="http://schemas.microsoft.com/office/drawing/2010/main" val="0"/>
+              </a:ext>
+            </a:extLst>
+          </a:blip>
+          <a:srcRect/>
+          <a:stretch>
+            <a:fillRect/>
+          </a:stretch>
+        </p:blipFill>
+        <p:spPr bwMode="auto">
+          <a:xfrm>
+            <a:off x="8153400" y="495670"/>
+            <a:ext cx="4038600" cy="2667000"/>
+          </a:xfrm>
+          <a:prstGeom prst="rect">
+            <a:avLst/>
+          </a:prstGeom>
+          <a:noFill/>
+          <a:extLst>
+            <a:ext uri="{909E8E84-426E-40DD-AFC4-6F175D3DCCD1}">
+              <a14:hiddenFill xmlns:a14="http://schemas.microsoft.com/office/drawing/2010/main">
+                <a:solidFill>
+                  <a:srgbClr val="FFFFFF"/>
+                </a:solidFill>
+              </a14:hiddenFill>
+            </a:ext>
+          </a:extLst>
+        </p:spPr>
+      </p:pic>
+      <p:pic>
+        <p:nvPicPr>
+          <p:cNvPr id="1032" name="Picture 8">
+            <a:extLst>
+              <a:ext uri="{FF2B5EF4-FFF2-40B4-BE49-F238E27FC236}">
+                <a16:creationId xmlns:a16="http://schemas.microsoft.com/office/drawing/2014/main" id="{50DE6A0F-5508-48D6-B8A3-A479DAC76219}"/>
+              </a:ext>
+            </a:extLst>
+          </p:cNvPr>
+          <p:cNvPicPr>
+            <a:picLocks noChangeAspect="1" noChangeArrowheads="1"/>
+          </p:cNvPicPr>
+          <p:nvPr/>
+        </p:nvPicPr>
+        <p:blipFill>
+          <a:blip r:embed="rId5">
+            <a:extLst>
+              <a:ext uri="{28A0092B-C50C-407E-A947-70E740481C1C}">
+                <a14:useLocalDpi xmlns:a14="http://schemas.microsoft.com/office/drawing/2010/main" val="0"/>
+              </a:ext>
+            </a:extLst>
+          </a:blip>
+          <a:srcRect/>
+          <a:stretch>
+            <a:fillRect/>
+          </a:stretch>
+        </p:blipFill>
+        <p:spPr bwMode="auto">
+          <a:xfrm>
+            <a:off x="80130" y="3695330"/>
+            <a:ext cx="4038600" cy="2667000"/>
+          </a:xfrm>
+          <a:prstGeom prst="rect">
+            <a:avLst/>
+          </a:prstGeom>
+          <a:noFill/>
+          <a:extLst>
+            <a:ext uri="{909E8E84-426E-40DD-AFC4-6F175D3DCCD1}">
+              <a14:hiddenFill xmlns:a14="http://schemas.microsoft.com/office/drawing/2010/main">
+                <a:solidFill>
+                  <a:srgbClr val="FFFFFF"/>
+                </a:solidFill>
+              </a14:hiddenFill>
+            </a:ext>
+          </a:extLst>
+        </p:spPr>
+      </p:pic>
+      <p:pic>
+        <p:nvPicPr>
+          <p:cNvPr id="1034" name="Picture 10">
+            <a:extLst>
+              <a:ext uri="{FF2B5EF4-FFF2-40B4-BE49-F238E27FC236}">
+                <a16:creationId xmlns:a16="http://schemas.microsoft.com/office/drawing/2014/main" id="{768182B1-F0EC-40BF-A22A-68C4B12ABC76}"/>
+              </a:ext>
+            </a:extLst>
+          </p:cNvPr>
+          <p:cNvPicPr>
+            <a:picLocks noChangeAspect="1" noChangeArrowheads="1"/>
+          </p:cNvPicPr>
+          <p:nvPr/>
+        </p:nvPicPr>
+        <p:blipFill>
+          <a:blip r:embed="rId6">
+            <a:extLst>
+              <a:ext uri="{28A0092B-C50C-407E-A947-70E740481C1C}">
+                <a14:useLocalDpi xmlns:a14="http://schemas.microsoft.com/office/drawing/2010/main" val="0"/>
+              </a:ext>
+            </a:extLst>
+          </a:blip>
+          <a:srcRect/>
+          <a:stretch>
+            <a:fillRect/>
+          </a:stretch>
+        </p:blipFill>
+        <p:spPr bwMode="auto">
+          <a:xfrm>
+            <a:off x="4116765" y="495670"/>
+            <a:ext cx="4038600" cy="2667000"/>
+          </a:xfrm>
+          <a:prstGeom prst="rect">
+            <a:avLst/>
+          </a:prstGeom>
+          <a:noFill/>
+          <a:extLst>
+            <a:ext uri="{909E8E84-426E-40DD-AFC4-6F175D3DCCD1}">
+              <a14:hiddenFill xmlns:a14="http://schemas.microsoft.com/office/drawing/2010/main">
+                <a:solidFill>
+                  <a:srgbClr val="FFFFFF"/>
+                </a:solidFill>
+              </a14:hiddenFill>
+            </a:ext>
+          </a:extLst>
+        </p:spPr>
+      </p:pic>
+      <p:pic>
+        <p:nvPicPr>
+          <p:cNvPr id="1036" name="Picture 12">
+            <a:extLst>
+              <a:ext uri="{FF2B5EF4-FFF2-40B4-BE49-F238E27FC236}">
+                <a16:creationId xmlns:a16="http://schemas.microsoft.com/office/drawing/2014/main" id="{59BA9A56-8CE5-4A77-9B56-19686DE5D6B4}"/>
+              </a:ext>
+            </a:extLst>
+          </p:cNvPr>
+          <p:cNvPicPr>
+            <a:picLocks noChangeAspect="1" noChangeArrowheads="1"/>
+          </p:cNvPicPr>
+          <p:nvPr/>
+        </p:nvPicPr>
+        <p:blipFill>
+          <a:blip r:embed="rId7">
+            <a:extLst>
+              <a:ext uri="{28A0092B-C50C-407E-A947-70E740481C1C}">
+                <a14:useLocalDpi xmlns:a14="http://schemas.microsoft.com/office/drawing/2010/main" val="0"/>
+              </a:ext>
+            </a:extLst>
+          </a:blip>
+          <a:srcRect/>
+          <a:stretch>
+            <a:fillRect/>
+          </a:stretch>
+        </p:blipFill>
+        <p:spPr bwMode="auto">
+          <a:xfrm>
+            <a:off x="8153400" y="3695330"/>
+            <a:ext cx="4038600" cy="2667000"/>
+          </a:xfrm>
+          <a:prstGeom prst="rect">
+            <a:avLst/>
+          </a:prstGeom>
+          <a:noFill/>
+          <a:extLst>
+            <a:ext uri="{909E8E84-426E-40DD-AFC4-6F175D3DCCD1}">
+              <a14:hiddenFill xmlns:a14="http://schemas.microsoft.com/office/drawing/2010/main">
+                <a:solidFill>
+                  <a:srgbClr val="FFFFFF"/>
+                </a:solidFill>
+              </a14:hiddenFill>
+            </a:ext>
+          </a:extLst>
+        </p:spPr>
+      </p:pic>
+      <p:pic>
+        <p:nvPicPr>
+          <p:cNvPr id="1038" name="Picture 14">
+            <a:extLst>
+              <a:ext uri="{FF2B5EF4-FFF2-40B4-BE49-F238E27FC236}">
+                <a16:creationId xmlns:a16="http://schemas.microsoft.com/office/drawing/2014/main" id="{A5EDF0B5-46C2-45D8-A250-100C79241BA3}"/>
+              </a:ext>
+            </a:extLst>
+          </p:cNvPr>
+          <p:cNvPicPr>
+            <a:picLocks noChangeAspect="1" noChangeArrowheads="1"/>
+          </p:cNvPicPr>
+          <p:nvPr/>
+        </p:nvPicPr>
+        <p:blipFill>
+          <a:blip r:embed="rId8">
+            <a:extLst>
+              <a:ext uri="{28A0092B-C50C-407E-A947-70E740481C1C}">
+                <a14:useLocalDpi xmlns:a14="http://schemas.microsoft.com/office/drawing/2010/main" val="0"/>
+              </a:ext>
+            </a:extLst>
+          </a:blip>
+          <a:srcRect/>
+          <a:stretch>
+            <a:fillRect/>
+          </a:stretch>
+        </p:blipFill>
+        <p:spPr bwMode="auto">
+          <a:xfrm>
+            <a:off x="4116765" y="3695330"/>
+            <a:ext cx="4038600" cy="2667000"/>
+          </a:xfrm>
+          <a:prstGeom prst="rect">
+            <a:avLst/>
+          </a:prstGeom>
+          <a:noFill/>
+          <a:extLst>
+            <a:ext uri="{909E8E84-426E-40DD-AFC4-6F175D3DCCD1}">
+              <a14:hiddenFill xmlns:a14="http://schemas.microsoft.com/office/drawing/2010/main">
+                <a:solidFill>
+                  <a:srgbClr val="FFFFFF"/>
+                </a:solidFill>
+              </a14:hiddenFill>
+            </a:ext>
+          </a:extLst>
+        </p:spPr>
+      </p:pic>
     </p:spTree>
     <p:extLst>
       <p:ext uri="{BB962C8B-B14F-4D97-AF65-F5344CB8AC3E}">
-        <p14:creationId xmlns:p14="http://schemas.microsoft.com/office/powerpoint/2010/main" val="3154026324"/>
+        <p14:creationId xmlns:p14="http://schemas.microsoft.com/office/powerpoint/2010/main" val="3430494759"/>
       </p:ext>
     </p:extLst>
   </p:cSld>
@@ -4918,17 +5914,48 @@
           <a:chExt cx="0" cy="0"/>
         </a:xfrm>
       </p:grpSpPr>
+      <p:sp>
+        <p:nvSpPr>
+          <p:cNvPr id="2" name="Title 1">
+            <a:extLst>
+              <a:ext uri="{FF2B5EF4-FFF2-40B4-BE49-F238E27FC236}">
+                <a16:creationId xmlns:a16="http://schemas.microsoft.com/office/drawing/2014/main" id="{CE8623D0-BCA0-4110-953E-64A9304E8618}"/>
+              </a:ext>
+            </a:extLst>
+          </p:cNvPr>
+          <p:cNvSpPr>
+            <a:spLocks noGrp="1"/>
+          </p:cNvSpPr>
+          <p:nvPr>
+            <p:ph type="title"/>
+          </p:nvPr>
+        </p:nvSpPr>
+        <p:spPr/>
+        <p:txBody>
+          <a:bodyPr/>
+          <a:lstStyle/>
+          <a:p>
+            <a:pPr algn="ctr"/>
+            <a:r>
+              <a:rPr lang="en-US" dirty="0">
+                <a:latin typeface="Avenir Next LT Pro Light" panose="020B0304020202020204" pitchFamily="34" charset="0"/>
+              </a:rPr>
+              <a:t>Models</a:t>
+            </a:r>
+          </a:p>
+        </p:txBody>
+      </p:sp>
       <p:pic>
         <p:nvPicPr>
-          <p:cNvPr id="3" name="Picture 2">
-            <a:extLst>
-              <a:ext uri="{FF2B5EF4-FFF2-40B4-BE49-F238E27FC236}">
-                <a16:creationId xmlns:a16="http://schemas.microsoft.com/office/drawing/2014/main" id="{264C6126-2716-4081-8663-3783D615432D}"/>
+          <p:cNvPr id="2050" name="Picture 2">
+            <a:extLst>
+              <a:ext uri="{FF2B5EF4-FFF2-40B4-BE49-F238E27FC236}">
+                <a16:creationId xmlns:a16="http://schemas.microsoft.com/office/drawing/2014/main" id="{C81B00CB-C89C-45BB-9523-370D519FAD91}"/>
               </a:ext>
             </a:extLst>
           </p:cNvPr>
           <p:cNvPicPr>
-            <a:picLocks noChangeAspect="1"/>
+            <a:picLocks noChangeAspect="1" noChangeArrowheads="1"/>
           </p:cNvPicPr>
           <p:nvPr/>
         </p:nvPicPr>
@@ -4940,24 +5967,527 @@
               </a:ext>
             </a:extLst>
           </a:blip>
+          <a:srcRect/>
           <a:stretch>
             <a:fillRect/>
           </a:stretch>
         </p:blipFill>
-        <p:spPr>
+        <p:spPr bwMode="auto">
           <a:xfrm>
-            <a:off x="0" y="273602"/>
-            <a:ext cx="12192000" cy="1460500"/>
+            <a:off x="1620499" y="2181225"/>
+            <a:ext cx="3038475" cy="2495550"/>
           </a:xfrm>
           <a:prstGeom prst="rect">
             <a:avLst/>
           </a:prstGeom>
+          <a:noFill/>
+          <a:extLst>
+            <a:ext uri="{909E8E84-426E-40DD-AFC4-6F175D3DCCD1}">
+              <a14:hiddenFill xmlns:a14="http://schemas.microsoft.com/office/drawing/2010/main">
+                <a:solidFill>
+                  <a:srgbClr val="FFFFFF"/>
+                </a:solidFill>
+              </a14:hiddenFill>
+            </a:ext>
+          </a:extLst>
         </p:spPr>
       </p:pic>
+      <p:sp>
+        <p:nvSpPr>
+          <p:cNvPr id="6" name="Rectangle 5">
+            <a:extLst>
+              <a:ext uri="{FF2B5EF4-FFF2-40B4-BE49-F238E27FC236}">
+                <a16:creationId xmlns:a16="http://schemas.microsoft.com/office/drawing/2014/main" id="{F607DCC6-E852-450A-92E9-FA31E6ED3811}"/>
+              </a:ext>
+            </a:extLst>
+          </p:cNvPr>
+          <p:cNvSpPr>
+            <a:spLocks noChangeArrowheads="1"/>
+          </p:cNvSpPr>
+          <p:nvPr/>
+        </p:nvSpPr>
+        <p:spPr bwMode="auto">
+          <a:xfrm>
+            <a:off x="1263958" y="4845099"/>
+            <a:ext cx="3751555" cy="153888"/>
+          </a:xfrm>
+          <a:prstGeom prst="rect">
+            <a:avLst/>
+          </a:prstGeom>
+          <a:solidFill>
+            <a:srgbClr val="FFFFFF"/>
+          </a:solidFill>
+          <a:ln>
+            <a:noFill/>
+          </a:ln>
+          <a:effectLst/>
+          <a:extLst>
+            <a:ext uri="{91240B29-F687-4F45-9708-019B960494DF}">
+              <a14:hiddenLine xmlns:a14="http://schemas.microsoft.com/office/drawing/2010/main" w="9525">
+                <a:solidFill>
+                  <a:schemeClr val="tx1"/>
+                </a:solidFill>
+                <a:miter lim="800000"/>
+                <a:headEnd/>
+                <a:tailEnd/>
+              </a14:hiddenLine>
+            </a:ext>
+            <a:ext uri="{AF507438-7753-43E0-B8FC-AC1667EBCBE1}">
+              <a14:hiddenEffects xmlns:a14="http://schemas.microsoft.com/office/drawing/2010/main">
+                <a:effectLst>
+                  <a:outerShdw dist="35921" dir="2700000" algn="ctr" rotWithShape="0">
+                    <a:schemeClr val="bg2"/>
+                  </a:outerShdw>
+                </a:effectLst>
+              </a14:hiddenEffects>
+            </a:ext>
+          </a:extLst>
+        </p:spPr>
+        <p:txBody>
+          <a:bodyPr vert="horz" wrap="square" lIns="0" tIns="0" rIns="0" bIns="0" numCol="1" anchor="ctr" anchorCtr="0" compatLnSpc="1">
+            <a:prstTxWarp prst="textNoShape">
+              <a:avLst/>
+            </a:prstTxWarp>
+            <a:spAutoFit/>
+          </a:bodyPr>
+          <a:lstStyle/>
+          <a:p>
+            <a:pPr marL="0" marR="0" lvl="0" indent="0" algn="ctr" defTabSz="914400" rtl="0" eaLnBrk="0" fontAlgn="base" latinLnBrk="0" hangingPunct="0">
+              <a:lnSpc>
+                <a:spcPct val="100000"/>
+              </a:lnSpc>
+              <a:spcBef>
+                <a:spcPct val="0"/>
+              </a:spcBef>
+              <a:spcAft>
+                <a:spcPct val="0"/>
+              </a:spcAft>
+              <a:buClrTx/>
+              <a:buSzTx/>
+              <a:buFontTx/>
+              <a:buNone/>
+              <a:tabLst/>
+            </a:pPr>
+            <a:r>
+              <a:rPr kumimoji="0" lang="en-US" altLang="en-US" sz="1000" b="1" i="0" u="none" strike="noStrike" cap="none" normalizeH="0" baseline="0" dirty="0">
+                <a:ln>
+                  <a:noFill/>
+                </a:ln>
+                <a:solidFill>
+                  <a:srgbClr val="000000"/>
+                </a:solidFill>
+                <a:effectLst/>
+                <a:latin typeface="Avenir Next LT Pro Light" panose="020B0304020202020204" pitchFamily="34" charset="0"/>
+                <a:ea typeface="Courier New" panose="02070309020205020404" pitchFamily="49" charset="0"/>
+              </a:rPr>
+              <a:t>Accuracy Score (Train): 68.77% Accuracy Score (Test): 69.32%</a:t>
+            </a:r>
+            <a:r>
+              <a:rPr kumimoji="0" lang="en-US" altLang="en-US" sz="1000" b="1" i="0" u="none" strike="noStrike" cap="none" normalizeH="0" baseline="0" dirty="0">
+                <a:ln>
+                  <a:noFill/>
+                </a:ln>
+                <a:solidFill>
+                  <a:schemeClr val="tx1"/>
+                </a:solidFill>
+                <a:effectLst/>
+                <a:latin typeface="Avenir Next LT Pro Light" panose="020B0304020202020204" pitchFamily="34" charset="0"/>
+              </a:rPr>
+              <a:t> </a:t>
+            </a:r>
+          </a:p>
+        </p:txBody>
+      </p:sp>
+      <p:pic>
+        <p:nvPicPr>
+          <p:cNvPr id="10" name="Picture 2">
+            <a:extLst>
+              <a:ext uri="{FF2B5EF4-FFF2-40B4-BE49-F238E27FC236}">
+                <a16:creationId xmlns:a16="http://schemas.microsoft.com/office/drawing/2014/main" id="{DC2C2C27-5101-4D10-80A7-FF4A6C2022A5}"/>
+              </a:ext>
+            </a:extLst>
+          </p:cNvPr>
+          <p:cNvPicPr>
+            <a:picLocks noChangeAspect="1" noChangeArrowheads="1"/>
+          </p:cNvPicPr>
+          <p:nvPr/>
+        </p:nvPicPr>
+        <p:blipFill>
+          <a:blip r:embed="rId3">
+            <a:extLst>
+              <a:ext uri="{28A0092B-C50C-407E-A947-70E740481C1C}">
+                <a14:useLocalDpi xmlns:a14="http://schemas.microsoft.com/office/drawing/2010/main" val="0"/>
+              </a:ext>
+            </a:extLst>
+          </a:blip>
+          <a:srcRect/>
+          <a:stretch>
+            <a:fillRect/>
+          </a:stretch>
+        </p:blipFill>
+        <p:spPr bwMode="auto">
+          <a:xfrm>
+            <a:off x="7517860" y="2181225"/>
+            <a:ext cx="3038475" cy="2495550"/>
+          </a:xfrm>
+          <a:prstGeom prst="rect">
+            <a:avLst/>
+          </a:prstGeom>
+          <a:noFill/>
+          <a:extLst>
+            <a:ext uri="{909E8E84-426E-40DD-AFC4-6F175D3DCCD1}">
+              <a14:hiddenFill xmlns:a14="http://schemas.microsoft.com/office/drawing/2010/main">
+                <a:solidFill>
+                  <a:srgbClr val="FFFFFF"/>
+                </a:solidFill>
+              </a14:hiddenFill>
+            </a:ext>
+          </a:extLst>
+        </p:spPr>
+      </p:pic>
+      <p:sp>
+        <p:nvSpPr>
+          <p:cNvPr id="11" name="Rectangle 3">
+            <a:extLst>
+              <a:ext uri="{FF2B5EF4-FFF2-40B4-BE49-F238E27FC236}">
+                <a16:creationId xmlns:a16="http://schemas.microsoft.com/office/drawing/2014/main" id="{FABB5973-EEA7-4D4A-8BF0-DB735EDF9B2B}"/>
+              </a:ext>
+            </a:extLst>
+          </p:cNvPr>
+          <p:cNvSpPr>
+            <a:spLocks noChangeArrowheads="1"/>
+          </p:cNvSpPr>
+          <p:nvPr/>
+        </p:nvSpPr>
+        <p:spPr bwMode="auto">
+          <a:xfrm>
+            <a:off x="7176489" y="4852318"/>
+            <a:ext cx="3710866" cy="153888"/>
+          </a:xfrm>
+          <a:prstGeom prst="rect">
+            <a:avLst/>
+          </a:prstGeom>
+          <a:solidFill>
+            <a:srgbClr val="FFFFFF"/>
+          </a:solidFill>
+          <a:ln>
+            <a:noFill/>
+          </a:ln>
+          <a:effectLst/>
+          <a:extLst>
+            <a:ext uri="{91240B29-F687-4F45-9708-019B960494DF}">
+              <a14:hiddenLine xmlns:a14="http://schemas.microsoft.com/office/drawing/2010/main" w="9525">
+                <a:solidFill>
+                  <a:schemeClr val="tx1"/>
+                </a:solidFill>
+                <a:miter lim="800000"/>
+                <a:headEnd/>
+                <a:tailEnd/>
+              </a14:hiddenLine>
+            </a:ext>
+            <a:ext uri="{AF507438-7753-43E0-B8FC-AC1667EBCBE1}">
+              <a14:hiddenEffects xmlns:a14="http://schemas.microsoft.com/office/drawing/2010/main">
+                <a:effectLst>
+                  <a:outerShdw dist="35921" dir="2700000" algn="ctr" rotWithShape="0">
+                    <a:schemeClr val="bg2"/>
+                  </a:outerShdw>
+                </a:effectLst>
+              </a14:hiddenEffects>
+            </a:ext>
+          </a:extLst>
+        </p:spPr>
+        <p:txBody>
+          <a:bodyPr vert="horz" wrap="square" lIns="0" tIns="0" rIns="0" bIns="0" numCol="1" anchor="ctr" anchorCtr="0" compatLnSpc="1">
+            <a:prstTxWarp prst="textNoShape">
+              <a:avLst/>
+            </a:prstTxWarp>
+            <a:spAutoFit/>
+          </a:bodyPr>
+          <a:lstStyle/>
+          <a:p>
+            <a:pPr marL="0" marR="0" lvl="0" indent="0" algn="ctr" defTabSz="914400" rtl="0" eaLnBrk="0" fontAlgn="base" latinLnBrk="0" hangingPunct="0">
+              <a:lnSpc>
+                <a:spcPct val="100000"/>
+              </a:lnSpc>
+              <a:spcBef>
+                <a:spcPct val="0"/>
+              </a:spcBef>
+              <a:spcAft>
+                <a:spcPct val="0"/>
+              </a:spcAft>
+              <a:buClrTx/>
+              <a:buSzTx/>
+              <a:buFontTx/>
+              <a:buNone/>
+              <a:tabLst/>
+            </a:pPr>
+            <a:r>
+              <a:rPr kumimoji="0" lang="en-US" altLang="en-US" sz="1000" b="1" i="0" u="none" strike="noStrike" cap="none" normalizeH="0" baseline="0" dirty="0">
+                <a:ln>
+                  <a:noFill/>
+                </a:ln>
+                <a:solidFill>
+                  <a:srgbClr val="000000"/>
+                </a:solidFill>
+                <a:effectLst/>
+                <a:latin typeface="Avenir Next LT Pro Light" panose="020B0304020202020204" pitchFamily="34" charset="0"/>
+                <a:ea typeface="Courier New" panose="02070309020205020404" pitchFamily="49" charset="0"/>
+              </a:rPr>
+              <a:t>Accuracy Score (Train): 78.79% Accuracy Score (Test): 77.56%</a:t>
+            </a:r>
+            <a:r>
+              <a:rPr kumimoji="0" lang="en-US" altLang="en-US" sz="1000" b="1" i="0" u="none" strike="noStrike" cap="none" normalizeH="0" baseline="0" dirty="0">
+                <a:ln>
+                  <a:noFill/>
+                </a:ln>
+                <a:solidFill>
+                  <a:schemeClr val="tx1"/>
+                </a:solidFill>
+                <a:effectLst/>
+                <a:latin typeface="Avenir Next LT Pro Light" panose="020B0304020202020204" pitchFamily="34" charset="0"/>
+              </a:rPr>
+              <a:t> </a:t>
+            </a:r>
+          </a:p>
+        </p:txBody>
+      </p:sp>
+      <p:sp>
+        <p:nvSpPr>
+          <p:cNvPr id="12" name="Rectangle 11">
+            <a:extLst>
+              <a:ext uri="{FF2B5EF4-FFF2-40B4-BE49-F238E27FC236}">
+                <a16:creationId xmlns:a16="http://schemas.microsoft.com/office/drawing/2014/main" id="{D3BD3AE9-EB6C-49E7-BA46-4284987AF56A}"/>
+              </a:ext>
+            </a:extLst>
+          </p:cNvPr>
+          <p:cNvSpPr>
+            <a:spLocks noChangeArrowheads="1"/>
+          </p:cNvSpPr>
+          <p:nvPr/>
+        </p:nvSpPr>
+        <p:spPr bwMode="auto">
+          <a:xfrm>
+            <a:off x="4601199" y="5519033"/>
+            <a:ext cx="2989602" cy="307777"/>
+          </a:xfrm>
+          <a:prstGeom prst="rect">
+            <a:avLst/>
+          </a:prstGeom>
+          <a:solidFill>
+            <a:srgbClr val="FFFFFF"/>
+          </a:solidFill>
+          <a:ln>
+            <a:noFill/>
+          </a:ln>
+          <a:effectLst/>
+          <a:extLst>
+            <a:ext uri="{91240B29-F687-4F45-9708-019B960494DF}">
+              <a14:hiddenLine xmlns:a14="http://schemas.microsoft.com/office/drawing/2010/main" w="9525">
+                <a:solidFill>
+                  <a:schemeClr val="tx1"/>
+                </a:solidFill>
+                <a:miter lim="800000"/>
+                <a:headEnd/>
+                <a:tailEnd/>
+              </a14:hiddenLine>
+            </a:ext>
+            <a:ext uri="{AF507438-7753-43E0-B8FC-AC1667EBCBE1}">
+              <a14:hiddenEffects xmlns:a14="http://schemas.microsoft.com/office/drawing/2010/main">
+                <a:effectLst>
+                  <a:outerShdw dist="35921" dir="2700000" algn="ctr" rotWithShape="0">
+                    <a:schemeClr val="bg2"/>
+                  </a:outerShdw>
+                </a:effectLst>
+              </a14:hiddenEffects>
+            </a:ext>
+          </a:extLst>
+        </p:spPr>
+        <p:txBody>
+          <a:bodyPr vert="horz" wrap="square" lIns="0" tIns="0" rIns="0" bIns="0" numCol="1" anchor="ctr" anchorCtr="0" compatLnSpc="1">
+            <a:prstTxWarp prst="textNoShape">
+              <a:avLst/>
+            </a:prstTxWarp>
+            <a:spAutoFit/>
+          </a:bodyPr>
+          <a:lstStyle/>
+          <a:p>
+            <a:pPr marL="0" marR="0" lvl="0" indent="0" algn="ctr" defTabSz="914400" rtl="0" eaLnBrk="0" fontAlgn="base" latinLnBrk="0" hangingPunct="0">
+              <a:lnSpc>
+                <a:spcPct val="100000"/>
+              </a:lnSpc>
+              <a:spcBef>
+                <a:spcPct val="0"/>
+              </a:spcBef>
+              <a:spcAft>
+                <a:spcPct val="0"/>
+              </a:spcAft>
+              <a:buClrTx/>
+              <a:buSzTx/>
+              <a:buFontTx/>
+              <a:buNone/>
+              <a:tabLst/>
+            </a:pPr>
+            <a:r>
+              <a:rPr kumimoji="0" lang="en-US" altLang="en-US" sz="1000" b="1" i="1" u="none" strike="noStrike" cap="none" normalizeH="0" baseline="0" dirty="0">
+                <a:ln>
+                  <a:noFill/>
+                </a:ln>
+                <a:solidFill>
+                  <a:srgbClr val="000000"/>
+                </a:solidFill>
+                <a:effectLst/>
+                <a:latin typeface="Avenir Next LT Pro Light" panose="020B0304020202020204" pitchFamily="34" charset="0"/>
+                <a:ea typeface="Courier New" panose="02070309020205020404" pitchFamily="49" charset="0"/>
+              </a:rPr>
+              <a:t>Where 0 = Functional, 1 = Nonfunctional, 2=Functional but </a:t>
+            </a:r>
+            <a:r>
+              <a:rPr lang="en-US" altLang="en-US" sz="1000" b="1" i="1" dirty="0">
+                <a:solidFill>
+                  <a:srgbClr val="000000"/>
+                </a:solidFill>
+                <a:latin typeface="Avenir Next LT Pro Light" panose="020B0304020202020204" pitchFamily="34" charset="0"/>
+                <a:ea typeface="Courier New" panose="02070309020205020404" pitchFamily="49" charset="0"/>
+              </a:rPr>
+              <a:t>N</a:t>
+            </a:r>
+            <a:r>
+              <a:rPr kumimoji="0" lang="en-US" altLang="en-US" sz="1000" b="1" i="1" u="none" strike="noStrike" cap="none" normalizeH="0" baseline="0" dirty="0">
+                <a:ln>
+                  <a:noFill/>
+                </a:ln>
+                <a:solidFill>
+                  <a:srgbClr val="000000"/>
+                </a:solidFill>
+                <a:effectLst/>
+                <a:latin typeface="Avenir Next LT Pro Light" panose="020B0304020202020204" pitchFamily="34" charset="0"/>
+                <a:ea typeface="Courier New" panose="02070309020205020404" pitchFamily="49" charset="0"/>
+              </a:rPr>
+              <a:t>eeds </a:t>
+            </a:r>
+            <a:r>
+              <a:rPr lang="en-US" altLang="en-US" sz="1000" b="1" i="1" dirty="0">
+                <a:solidFill>
+                  <a:srgbClr val="000000"/>
+                </a:solidFill>
+                <a:latin typeface="Avenir Next LT Pro Light" panose="020B0304020202020204" pitchFamily="34" charset="0"/>
+                <a:ea typeface="Courier New" panose="02070309020205020404" pitchFamily="49" charset="0"/>
+              </a:rPr>
+              <a:t>R</a:t>
+            </a:r>
+            <a:r>
+              <a:rPr kumimoji="0" lang="en-US" altLang="en-US" sz="1000" b="1" i="1" u="none" strike="noStrike" cap="none" normalizeH="0" baseline="0" dirty="0">
+                <a:ln>
+                  <a:noFill/>
+                </a:ln>
+                <a:solidFill>
+                  <a:srgbClr val="000000"/>
+                </a:solidFill>
+                <a:effectLst/>
+                <a:latin typeface="Avenir Next LT Pro Light" panose="020B0304020202020204" pitchFamily="34" charset="0"/>
+                <a:ea typeface="Courier New" panose="02070309020205020404" pitchFamily="49" charset="0"/>
+              </a:rPr>
+              <a:t>epair</a:t>
+            </a:r>
+            <a:r>
+              <a:rPr kumimoji="0" lang="en-US" altLang="en-US" sz="1000" b="1" i="1" u="none" strike="noStrike" cap="none" normalizeH="0" baseline="0" dirty="0">
+                <a:ln>
+                  <a:noFill/>
+                </a:ln>
+                <a:solidFill>
+                  <a:schemeClr val="tx1"/>
+                </a:solidFill>
+                <a:effectLst/>
+                <a:latin typeface="Avenir Next LT Pro Light" panose="020B0304020202020204" pitchFamily="34" charset="0"/>
+              </a:rPr>
+              <a:t> </a:t>
+            </a:r>
+          </a:p>
+        </p:txBody>
+      </p:sp>
+      <p:sp>
+        <p:nvSpPr>
+          <p:cNvPr id="8" name="TextBox 7">
+            <a:extLst>
+              <a:ext uri="{FF2B5EF4-FFF2-40B4-BE49-F238E27FC236}">
+                <a16:creationId xmlns:a16="http://schemas.microsoft.com/office/drawing/2014/main" id="{07458E46-6614-44C0-89A4-A234CDD17D5F}"/>
+              </a:ext>
+            </a:extLst>
+          </p:cNvPr>
+          <p:cNvSpPr txBox="1"/>
+          <p:nvPr/>
+        </p:nvSpPr>
+        <p:spPr>
+          <a:xfrm>
+            <a:off x="1912476" y="1740036"/>
+            <a:ext cx="2454518" cy="369332"/>
+          </a:xfrm>
+          <a:prstGeom prst="rect">
+            <a:avLst/>
+          </a:prstGeom>
+          <a:noFill/>
+        </p:spPr>
+        <p:txBody>
+          <a:bodyPr wrap="none" rtlCol="0">
+            <a:spAutoFit/>
+          </a:bodyPr>
+          <a:lstStyle/>
+          <a:p>
+            <a:pPr algn="ctr"/>
+            <a:r>
+              <a:rPr lang="en-US" b="1" dirty="0">
+                <a:latin typeface="Avenir Next LT Pro Light" panose="020B0304020202020204" pitchFamily="34" charset="0"/>
+              </a:rPr>
+              <a:t>Gaussian Naïve Bayes</a:t>
+            </a:r>
+          </a:p>
+        </p:txBody>
+      </p:sp>
+      <p:sp>
+        <p:nvSpPr>
+          <p:cNvPr id="14" name="TextBox 13">
+            <a:extLst>
+              <a:ext uri="{FF2B5EF4-FFF2-40B4-BE49-F238E27FC236}">
+                <a16:creationId xmlns:a16="http://schemas.microsoft.com/office/drawing/2014/main" id="{2BF82305-019B-439A-9512-A8DA0017827A}"/>
+              </a:ext>
+            </a:extLst>
+          </p:cNvPr>
+          <p:cNvSpPr txBox="1"/>
+          <p:nvPr/>
+        </p:nvSpPr>
+        <p:spPr>
+          <a:xfrm>
+            <a:off x="8477603" y="1751290"/>
+            <a:ext cx="1108638" cy="369332"/>
+          </a:xfrm>
+          <a:prstGeom prst="rect">
+            <a:avLst/>
+          </a:prstGeom>
+          <a:noFill/>
+        </p:spPr>
+        <p:txBody>
+          <a:bodyPr wrap="none" rtlCol="0">
+            <a:spAutoFit/>
+          </a:bodyPr>
+          <a:lstStyle/>
+          <a:p>
+            <a:pPr algn="ctr"/>
+            <a:r>
+              <a:rPr lang="en-US" b="1" dirty="0" err="1">
+                <a:latin typeface="Avenir Next LT Pro Light" panose="020B0304020202020204" pitchFamily="34" charset="0"/>
+              </a:rPr>
+              <a:t>XGBoost</a:t>
+            </a:r>
+            <a:endParaRPr lang="en-US" b="1" dirty="0">
+              <a:latin typeface="Avenir Next LT Pro Light" panose="020B0304020202020204" pitchFamily="34" charset="0"/>
+            </a:endParaRPr>
+          </a:p>
+        </p:txBody>
+      </p:sp>
     </p:spTree>
     <p:extLst>
       <p:ext uri="{BB962C8B-B14F-4D97-AF65-F5344CB8AC3E}">
-        <p14:creationId xmlns:p14="http://schemas.microsoft.com/office/powerpoint/2010/main" val="3769866766"/>
+        <p14:creationId xmlns:p14="http://schemas.microsoft.com/office/powerpoint/2010/main" val="3154026324"/>
       </p:ext>
     </p:extLst>
   </p:cSld>
@@ -4984,32 +6514,383 @@
           <a:chExt cx="0" cy="0"/>
         </a:xfrm>
       </p:grpSpPr>
-      <p:sp>
-        <p:nvSpPr>
-          <p:cNvPr id="2" name="Title 1">
-            <a:extLst>
-              <a:ext uri="{FF2B5EF4-FFF2-40B4-BE49-F238E27FC236}">
-                <a16:creationId xmlns:a16="http://schemas.microsoft.com/office/drawing/2014/main" id="{0DF783A8-CFD3-4B7E-A2A9-4AEC68F3BA95}"/>
-              </a:ext>
-            </a:extLst>
-          </p:cNvPr>
-          <p:cNvSpPr>
-            <a:spLocks noGrp="1"/>
-          </p:cNvSpPr>
-          <p:nvPr>
-            <p:ph type="title"/>
-          </p:nvPr>
-        </p:nvSpPr>
-        <p:spPr/>
-        <p:txBody>
-          <a:bodyPr/>
+      <p:pic>
+        <p:nvPicPr>
+          <p:cNvPr id="3" name="Picture 2">
+            <a:extLst>
+              <a:ext uri="{FF2B5EF4-FFF2-40B4-BE49-F238E27FC236}">
+                <a16:creationId xmlns:a16="http://schemas.microsoft.com/office/drawing/2014/main" id="{264C6126-2716-4081-8663-3783D615432D}"/>
+              </a:ext>
+            </a:extLst>
+          </p:cNvPr>
+          <p:cNvPicPr>
+            <a:picLocks noChangeAspect="1"/>
+          </p:cNvPicPr>
+          <p:nvPr/>
+        </p:nvPicPr>
+        <p:blipFill>
+          <a:blip r:embed="rId2">
+            <a:extLst>
+              <a:ext uri="{28A0092B-C50C-407E-A947-70E740481C1C}">
+                <a14:useLocalDpi xmlns:a14="http://schemas.microsoft.com/office/drawing/2010/main" val="0"/>
+              </a:ext>
+            </a:extLst>
+          </a:blip>
+          <a:stretch>
+            <a:fillRect/>
+          </a:stretch>
+        </p:blipFill>
+        <p:spPr>
+          <a:xfrm>
+            <a:off x="0" y="273602"/>
+            <a:ext cx="12192000" cy="1460500"/>
+          </a:xfrm>
+          <a:prstGeom prst="rect">
+            <a:avLst/>
+          </a:prstGeom>
+        </p:spPr>
+      </p:pic>
+      <p:sp>
+        <p:nvSpPr>
+          <p:cNvPr id="5" name="Rectangle 4">
+            <a:extLst>
+              <a:ext uri="{FF2B5EF4-FFF2-40B4-BE49-F238E27FC236}">
+                <a16:creationId xmlns:a16="http://schemas.microsoft.com/office/drawing/2014/main" id="{FF4F01E8-A6D2-46E7-A52E-E2472A68FE66}"/>
+              </a:ext>
+            </a:extLst>
+          </p:cNvPr>
+          <p:cNvSpPr>
+            <a:spLocks noChangeArrowheads="1"/>
+          </p:cNvSpPr>
+          <p:nvPr/>
+        </p:nvSpPr>
+        <p:spPr bwMode="auto">
+          <a:xfrm>
+            <a:off x="4601196" y="5968674"/>
+            <a:ext cx="2989602" cy="307777"/>
+          </a:xfrm>
+          <a:prstGeom prst="rect">
+            <a:avLst/>
+          </a:prstGeom>
+          <a:solidFill>
+            <a:srgbClr val="FFFFFF"/>
+          </a:solidFill>
+          <a:ln>
+            <a:noFill/>
+          </a:ln>
+          <a:effectLst/>
+          <a:extLst>
+            <a:ext uri="{91240B29-F687-4F45-9708-019B960494DF}">
+              <a14:hiddenLine xmlns:a14="http://schemas.microsoft.com/office/drawing/2010/main" w="9525">
+                <a:solidFill>
+                  <a:schemeClr val="tx1"/>
+                </a:solidFill>
+                <a:miter lim="800000"/>
+                <a:headEnd/>
+                <a:tailEnd/>
+              </a14:hiddenLine>
+            </a:ext>
+            <a:ext uri="{AF507438-7753-43E0-B8FC-AC1667EBCBE1}">
+              <a14:hiddenEffects xmlns:a14="http://schemas.microsoft.com/office/drawing/2010/main">
+                <a:effectLst>
+                  <a:outerShdw dist="35921" dir="2700000" algn="ctr" rotWithShape="0">
+                    <a:schemeClr val="bg2"/>
+                  </a:outerShdw>
+                </a:effectLst>
+              </a14:hiddenEffects>
+            </a:ext>
+          </a:extLst>
+        </p:spPr>
+        <p:txBody>
+          <a:bodyPr vert="horz" wrap="square" lIns="0" tIns="0" rIns="0" bIns="0" numCol="1" anchor="ctr" anchorCtr="0" compatLnSpc="1">
+            <a:prstTxWarp prst="textNoShape">
+              <a:avLst/>
+            </a:prstTxWarp>
+            <a:spAutoFit/>
+          </a:bodyPr>
           <a:lstStyle/>
           <a:p>
-            <a:r>
-              <a:rPr lang="en-US" dirty="0">
-                <a:latin typeface="Bahnschrift Light" panose="020B0502040204020203" pitchFamily="34" charset="0"/>
+            <a:pPr marL="0" marR="0" lvl="0" indent="0" algn="ctr" defTabSz="914400" rtl="0" eaLnBrk="0" fontAlgn="base" latinLnBrk="0" hangingPunct="0">
+              <a:lnSpc>
+                <a:spcPct val="100000"/>
+              </a:lnSpc>
+              <a:spcBef>
+                <a:spcPct val="0"/>
+              </a:spcBef>
+              <a:spcAft>
+                <a:spcPct val="0"/>
+              </a:spcAft>
+              <a:buClrTx/>
+              <a:buSzTx/>
+              <a:buFontTx/>
+              <a:buNone/>
+              <a:tabLst/>
+            </a:pPr>
+            <a:r>
+              <a:rPr kumimoji="0" lang="en-US" altLang="en-US" sz="1000" b="1" i="1" u="none" strike="noStrike" cap="none" normalizeH="0" baseline="0" dirty="0">
+                <a:ln>
+                  <a:noFill/>
+                </a:ln>
+                <a:solidFill>
+                  <a:srgbClr val="000000"/>
+                </a:solidFill>
+                <a:effectLst/>
+                <a:latin typeface="Avenir Next LT Pro Light" panose="020B0304020202020204" pitchFamily="34" charset="0"/>
+                <a:ea typeface="Courier New" panose="02070309020205020404" pitchFamily="49" charset="0"/>
               </a:rPr>
-              <a:t>Analysis</a:t>
+              <a:t>Where 0 = Functional, 1 = Nonfunctional, 2=Functional but </a:t>
+            </a:r>
+            <a:r>
+              <a:rPr lang="en-US" altLang="en-US" sz="1000" b="1" i="1" dirty="0">
+                <a:solidFill>
+                  <a:srgbClr val="000000"/>
+                </a:solidFill>
+                <a:latin typeface="Avenir Next LT Pro Light" panose="020B0304020202020204" pitchFamily="34" charset="0"/>
+                <a:ea typeface="Courier New" panose="02070309020205020404" pitchFamily="49" charset="0"/>
+              </a:rPr>
+              <a:t>N</a:t>
+            </a:r>
+            <a:r>
+              <a:rPr kumimoji="0" lang="en-US" altLang="en-US" sz="1000" b="1" i="1" u="none" strike="noStrike" cap="none" normalizeH="0" baseline="0" dirty="0">
+                <a:ln>
+                  <a:noFill/>
+                </a:ln>
+                <a:solidFill>
+                  <a:srgbClr val="000000"/>
+                </a:solidFill>
+                <a:effectLst/>
+                <a:latin typeface="Avenir Next LT Pro Light" panose="020B0304020202020204" pitchFamily="34" charset="0"/>
+                <a:ea typeface="Courier New" panose="02070309020205020404" pitchFamily="49" charset="0"/>
+              </a:rPr>
+              <a:t>eeds </a:t>
+            </a:r>
+            <a:r>
+              <a:rPr lang="en-US" altLang="en-US" sz="1000" b="1" i="1" dirty="0">
+                <a:solidFill>
+                  <a:srgbClr val="000000"/>
+                </a:solidFill>
+                <a:latin typeface="Avenir Next LT Pro Light" panose="020B0304020202020204" pitchFamily="34" charset="0"/>
+                <a:ea typeface="Courier New" panose="02070309020205020404" pitchFamily="49" charset="0"/>
+              </a:rPr>
+              <a:t>R</a:t>
+            </a:r>
+            <a:r>
+              <a:rPr kumimoji="0" lang="en-US" altLang="en-US" sz="1000" b="1" i="1" u="none" strike="noStrike" cap="none" normalizeH="0" baseline="0" dirty="0">
+                <a:ln>
+                  <a:noFill/>
+                </a:ln>
+                <a:solidFill>
+                  <a:srgbClr val="000000"/>
+                </a:solidFill>
+                <a:effectLst/>
+                <a:latin typeface="Avenir Next LT Pro Light" panose="020B0304020202020204" pitchFamily="34" charset="0"/>
+                <a:ea typeface="Courier New" panose="02070309020205020404" pitchFamily="49" charset="0"/>
+              </a:rPr>
+              <a:t>epair</a:t>
+            </a:r>
+            <a:r>
+              <a:rPr kumimoji="0" lang="en-US" altLang="en-US" sz="1000" b="1" i="1" u="none" strike="noStrike" cap="none" normalizeH="0" baseline="0" dirty="0">
+                <a:ln>
+                  <a:noFill/>
+                </a:ln>
+                <a:solidFill>
+                  <a:schemeClr val="tx1"/>
+                </a:solidFill>
+                <a:effectLst/>
+                <a:latin typeface="Avenir Next LT Pro Light" panose="020B0304020202020204" pitchFamily="34" charset="0"/>
+              </a:rPr>
+              <a:t> </a:t>
+            </a:r>
+          </a:p>
+        </p:txBody>
+      </p:sp>
+      <p:pic>
+        <p:nvPicPr>
+          <p:cNvPr id="6" name="Picture 7">
+            <a:extLst>
+              <a:ext uri="{FF2B5EF4-FFF2-40B4-BE49-F238E27FC236}">
+                <a16:creationId xmlns:a16="http://schemas.microsoft.com/office/drawing/2014/main" id="{6EA7D96F-60CC-4688-86E1-4AF3A5615C2E}"/>
+              </a:ext>
+            </a:extLst>
+          </p:cNvPr>
+          <p:cNvPicPr>
+            <a:picLocks noChangeAspect="1" noChangeArrowheads="1"/>
+          </p:cNvPicPr>
+          <p:nvPr/>
+        </p:nvPicPr>
+        <p:blipFill>
+          <a:blip r:embed="rId3">
+            <a:extLst>
+              <a:ext uri="{28A0092B-C50C-407E-A947-70E740481C1C}">
+                <a14:useLocalDpi xmlns:a14="http://schemas.microsoft.com/office/drawing/2010/main" val="0"/>
+              </a:ext>
+            </a:extLst>
+          </a:blip>
+          <a:srcRect/>
+          <a:stretch>
+            <a:fillRect/>
+          </a:stretch>
+        </p:blipFill>
+        <p:spPr bwMode="auto">
+          <a:xfrm>
+            <a:off x="4403125" y="2537948"/>
+            <a:ext cx="3385745" cy="2780769"/>
+          </a:xfrm>
+          <a:prstGeom prst="rect">
+            <a:avLst/>
+          </a:prstGeom>
+          <a:noFill/>
+          <a:extLst>
+            <a:ext uri="{909E8E84-426E-40DD-AFC4-6F175D3DCCD1}">
+              <a14:hiddenFill xmlns:a14="http://schemas.microsoft.com/office/drawing/2010/main">
+                <a:solidFill>
+                  <a:srgbClr val="FFFFFF"/>
+                </a:solidFill>
+              </a14:hiddenFill>
+            </a:ext>
+          </a:extLst>
+        </p:spPr>
+      </p:pic>
+      <p:sp>
+        <p:nvSpPr>
+          <p:cNvPr id="7" name="Rectangle 8">
+            <a:extLst>
+              <a:ext uri="{FF2B5EF4-FFF2-40B4-BE49-F238E27FC236}">
+                <a16:creationId xmlns:a16="http://schemas.microsoft.com/office/drawing/2014/main" id="{23BCD69C-E674-4754-8ABE-1483A792836A}"/>
+              </a:ext>
+            </a:extLst>
+          </p:cNvPr>
+          <p:cNvSpPr>
+            <a:spLocks noChangeArrowheads="1"/>
+          </p:cNvSpPr>
+          <p:nvPr/>
+        </p:nvSpPr>
+        <p:spPr bwMode="auto">
+          <a:xfrm>
+            <a:off x="4205055" y="5569620"/>
+            <a:ext cx="3781887" cy="153888"/>
+          </a:xfrm>
+          <a:prstGeom prst="rect">
+            <a:avLst/>
+          </a:prstGeom>
+          <a:solidFill>
+            <a:srgbClr val="FFFFFF"/>
+          </a:solidFill>
+          <a:ln>
+            <a:noFill/>
+          </a:ln>
+          <a:effectLst/>
+          <a:extLst>
+            <a:ext uri="{91240B29-F687-4F45-9708-019B960494DF}">
+              <a14:hiddenLine xmlns:a14="http://schemas.microsoft.com/office/drawing/2010/main" w="9525">
+                <a:solidFill>
+                  <a:schemeClr val="tx1"/>
+                </a:solidFill>
+                <a:miter lim="800000"/>
+                <a:headEnd/>
+                <a:tailEnd/>
+              </a14:hiddenLine>
+            </a:ext>
+            <a:ext uri="{AF507438-7753-43E0-B8FC-AC1667EBCBE1}">
+              <a14:hiddenEffects xmlns:a14="http://schemas.microsoft.com/office/drawing/2010/main">
+                <a:effectLst>
+                  <a:outerShdw dist="35921" dir="2700000" algn="ctr" rotWithShape="0">
+                    <a:schemeClr val="bg2"/>
+                  </a:outerShdw>
+                </a:effectLst>
+              </a14:hiddenEffects>
+            </a:ext>
+          </a:extLst>
+        </p:spPr>
+        <p:txBody>
+          <a:bodyPr vert="horz" wrap="square" lIns="0" tIns="0" rIns="0" bIns="0" numCol="1" anchor="ctr" anchorCtr="0" compatLnSpc="1">
+            <a:prstTxWarp prst="textNoShape">
+              <a:avLst/>
+            </a:prstTxWarp>
+            <a:spAutoFit/>
+          </a:bodyPr>
+          <a:lstStyle/>
+          <a:p>
+            <a:pPr marL="0" marR="0" lvl="0" indent="0" algn="ctr" defTabSz="914400" rtl="0" eaLnBrk="0" fontAlgn="base" latinLnBrk="0" hangingPunct="0">
+              <a:lnSpc>
+                <a:spcPct val="100000"/>
+              </a:lnSpc>
+              <a:spcBef>
+                <a:spcPct val="0"/>
+              </a:spcBef>
+              <a:spcAft>
+                <a:spcPct val="0"/>
+              </a:spcAft>
+              <a:buClrTx/>
+              <a:buSzTx/>
+              <a:buFontTx/>
+              <a:buNone/>
+              <a:tabLst/>
+            </a:pPr>
+            <a:r>
+              <a:rPr kumimoji="0" lang="en-US" altLang="en-US" sz="1000" b="1" i="0" u="none" strike="noStrike" cap="none" normalizeH="0" baseline="0" dirty="0">
+                <a:ln>
+                  <a:noFill/>
+                </a:ln>
+                <a:solidFill>
+                  <a:srgbClr val="000000"/>
+                </a:solidFill>
+                <a:effectLst/>
+                <a:latin typeface="Avenir Next LT Pro Light" panose="020B0304020202020204" pitchFamily="34" charset="0"/>
+                <a:ea typeface="Courier New" panose="02070309020205020404" pitchFamily="49" charset="0"/>
+              </a:rPr>
+              <a:t>Accuracy Score (Train): 80.02% Accuracy Score (Test): 77.72%</a:t>
+            </a:r>
+            <a:r>
+              <a:rPr kumimoji="0" lang="en-US" altLang="en-US" sz="1000" b="1" i="0" u="none" strike="noStrike" cap="none" normalizeH="0" baseline="0" dirty="0">
+                <a:ln>
+                  <a:noFill/>
+                </a:ln>
+                <a:solidFill>
+                  <a:schemeClr val="tx1"/>
+                </a:solidFill>
+                <a:effectLst/>
+                <a:latin typeface="Avenir Next LT Pro Light" panose="020B0304020202020204" pitchFamily="34" charset="0"/>
+              </a:rPr>
+              <a:t> </a:t>
+            </a:r>
+          </a:p>
+        </p:txBody>
+      </p:sp>
+      <p:sp>
+        <p:nvSpPr>
+          <p:cNvPr id="9" name="TextBox 8">
+            <a:extLst>
+              <a:ext uri="{FF2B5EF4-FFF2-40B4-BE49-F238E27FC236}">
+                <a16:creationId xmlns:a16="http://schemas.microsoft.com/office/drawing/2014/main" id="{4B33E365-02AD-4D99-9F2F-9DA3F478F0E8}"/>
+              </a:ext>
+            </a:extLst>
+          </p:cNvPr>
+          <p:cNvSpPr txBox="1"/>
+          <p:nvPr/>
+        </p:nvSpPr>
+        <p:spPr>
+          <a:xfrm>
+            <a:off x="5214379" y="1917713"/>
+            <a:ext cx="1763240" cy="369332"/>
+          </a:xfrm>
+          <a:prstGeom prst="rect">
+            <a:avLst/>
+          </a:prstGeom>
+          <a:noFill/>
+        </p:spPr>
+        <p:txBody>
+          <a:bodyPr wrap="none" rtlCol="0">
+            <a:spAutoFit/>
+          </a:bodyPr>
+          <a:lstStyle/>
+          <a:p>
+            <a:pPr algn="ctr"/>
+            <a:r>
+              <a:rPr lang="en-US" b="1" dirty="0">
+                <a:latin typeface="Avenir Next LT Pro Light" panose="020B0304020202020204" pitchFamily="34" charset="0"/>
+              </a:rPr>
+              <a:t>Random Forest</a:t>
             </a:r>
           </a:p>
         </p:txBody>
@@ -5017,7 +6898,7 @@
     </p:spTree>
     <p:extLst>
       <p:ext uri="{BB962C8B-B14F-4D97-AF65-F5344CB8AC3E}">
-        <p14:creationId xmlns:p14="http://schemas.microsoft.com/office/powerpoint/2010/main" val="1837465009"/>
+        <p14:creationId xmlns:p14="http://schemas.microsoft.com/office/powerpoint/2010/main" val="3769866766"/>
       </p:ext>
     </p:extLst>
   </p:cSld>
@@ -5044,17 +6925,126 @@
           <a:chExt cx="0" cy="0"/>
         </a:xfrm>
       </p:grpSpPr>
+      <p:sp>
+        <p:nvSpPr>
+          <p:cNvPr id="2" name="Title 1">
+            <a:extLst>
+              <a:ext uri="{FF2B5EF4-FFF2-40B4-BE49-F238E27FC236}">
+                <a16:creationId xmlns:a16="http://schemas.microsoft.com/office/drawing/2014/main" id="{0DF783A8-CFD3-4B7E-A2A9-4AEC68F3BA95}"/>
+              </a:ext>
+            </a:extLst>
+          </p:cNvPr>
+          <p:cNvSpPr>
+            <a:spLocks noGrp="1"/>
+          </p:cNvSpPr>
+          <p:nvPr>
+            <p:ph type="title"/>
+          </p:nvPr>
+        </p:nvSpPr>
+        <p:spPr/>
+        <p:txBody>
+          <a:bodyPr/>
+          <a:lstStyle/>
+          <a:p>
+            <a:r>
+              <a:rPr lang="en-US" dirty="0">
+                <a:latin typeface="Avenir Next LT Pro Light" panose="020B0304020202020204" pitchFamily="34" charset="0"/>
+              </a:rPr>
+              <a:t>Driving Features</a:t>
+            </a:r>
+          </a:p>
+        </p:txBody>
+      </p:sp>
+      <p:sp>
+        <p:nvSpPr>
+          <p:cNvPr id="3" name="Content Placeholder 2">
+            <a:extLst>
+              <a:ext uri="{FF2B5EF4-FFF2-40B4-BE49-F238E27FC236}">
+                <a16:creationId xmlns:a16="http://schemas.microsoft.com/office/drawing/2014/main" id="{7B4A805F-528A-46DA-9A13-C9144D342A30}"/>
+              </a:ext>
+            </a:extLst>
+          </p:cNvPr>
+          <p:cNvSpPr>
+            <a:spLocks noGrp="1"/>
+          </p:cNvSpPr>
+          <p:nvPr>
+            <p:ph idx="1"/>
+          </p:nvPr>
+        </p:nvSpPr>
+        <p:spPr>
+          <a:xfrm>
+            <a:off x="838200" y="1949773"/>
+            <a:ext cx="4639322" cy="4351338"/>
+          </a:xfrm>
+        </p:spPr>
+        <p:txBody>
+          <a:bodyPr/>
+          <a:lstStyle/>
+          <a:p>
+            <a:r>
+              <a:rPr lang="en-US" dirty="0">
+                <a:latin typeface="Avenir Next LT Pro Light" panose="020B0304020202020204" pitchFamily="34" charset="0"/>
+              </a:rPr>
+              <a:t>Quantity (dry, enough)</a:t>
+            </a:r>
+          </a:p>
+          <a:p>
+            <a:r>
+              <a:rPr lang="en-US" dirty="0">
+                <a:latin typeface="Avenir Next LT Pro Light" panose="020B0304020202020204" pitchFamily="34" charset="0"/>
+              </a:rPr>
+              <a:t>Waterpoint Type (other)</a:t>
+            </a:r>
+          </a:p>
+          <a:p>
+            <a:r>
+              <a:rPr lang="en-US" dirty="0">
+                <a:latin typeface="Avenir Next LT Pro Light" panose="020B0304020202020204" pitchFamily="34" charset="0"/>
+              </a:rPr>
+              <a:t>Extraction Type (other)</a:t>
+            </a:r>
+          </a:p>
+          <a:p>
+            <a:r>
+              <a:rPr lang="en-US" dirty="0">
+                <a:latin typeface="Avenir Next LT Pro Light" panose="020B0304020202020204" pitchFamily="34" charset="0"/>
+              </a:rPr>
+              <a:t>Payment Type (never pay)</a:t>
+            </a:r>
+          </a:p>
+          <a:p>
+            <a:r>
+              <a:rPr lang="en-US" dirty="0">
+                <a:latin typeface="Avenir Next LT Pro Light" panose="020B0304020202020204" pitchFamily="34" charset="0"/>
+              </a:rPr>
+              <a:t>Management (</a:t>
+            </a:r>
+            <a:r>
+              <a:rPr lang="en-US" dirty="0" err="1">
+                <a:latin typeface="Avenir Next LT Pro Light" panose="020B0304020202020204" pitchFamily="34" charset="0"/>
+              </a:rPr>
+              <a:t>vwc</a:t>
+            </a:r>
+            <a:r>
+              <a:rPr lang="en-US" dirty="0">
+                <a:latin typeface="Avenir Next LT Pro Light" panose="020B0304020202020204" pitchFamily="34" charset="0"/>
+              </a:rPr>
+              <a:t>)</a:t>
+            </a:r>
+          </a:p>
+        </p:txBody>
+      </p:sp>
       <p:pic>
         <p:nvPicPr>
-          <p:cNvPr id="2" name="Picture 1">
-            <a:extLst>
-              <a:ext uri="{FF2B5EF4-FFF2-40B4-BE49-F238E27FC236}">
-                <a16:creationId xmlns:a16="http://schemas.microsoft.com/office/drawing/2014/main" id="{505BC583-0099-4B7D-95A2-F67159D522F1}"/>
+          <p:cNvPr id="4" name="Picture 5">
+            <a:extLst>
+              <a:ext uri="{FF2B5EF4-FFF2-40B4-BE49-F238E27FC236}">
+                <a16:creationId xmlns:a16="http://schemas.microsoft.com/office/drawing/2014/main" id="{F5A515DE-A0BE-4F9F-ABF7-C8F6D1A1DDE8}"/>
               </a:ext>
             </a:extLst>
           </p:cNvPr>
           <p:cNvPicPr>
-            <a:picLocks noChangeAspect="1"/>
+            <a:picLocks noChangeAspect="1" noChangeArrowheads="1"/>
           </p:cNvPicPr>
           <p:nvPr/>
         </p:nvPicPr>
@@ -5066,27 +7056,35 @@
               </a:ext>
             </a:extLst>
           </a:blip>
+          <a:srcRect/>
           <a:stretch>
             <a:fillRect/>
           </a:stretch>
         </p:blipFill>
-        <p:spPr>
+        <p:spPr bwMode="auto">
           <a:xfrm>
-            <a:off x="2220879" y="1307583"/>
-            <a:ext cx="7750242" cy="4242833"/>
+            <a:off x="5477522" y="681037"/>
+            <a:ext cx="6214166" cy="5620074"/>
           </a:xfrm>
           <a:prstGeom prst="rect">
             <a:avLst/>
           </a:prstGeom>
-          <a:effectLst>
-            <a:softEdge rad="127000"/>
-          </a:effectLst>
+          <a:noFill/>
+          <a:extLst>
+            <a:ext uri="{909E8E84-426E-40DD-AFC4-6F175D3DCCD1}">
+              <a14:hiddenFill xmlns:a14="http://schemas.microsoft.com/office/drawing/2010/main">
+                <a:solidFill>
+                  <a:srgbClr val="FFFFFF"/>
+                </a:solidFill>
+              </a14:hiddenFill>
+            </a:ext>
+          </a:extLst>
         </p:spPr>
       </p:pic>
     </p:spTree>
     <p:extLst>
       <p:ext uri="{BB962C8B-B14F-4D97-AF65-F5344CB8AC3E}">
-        <p14:creationId xmlns:p14="http://schemas.microsoft.com/office/powerpoint/2010/main" val="1103626668"/>
+        <p14:creationId xmlns:p14="http://schemas.microsoft.com/office/powerpoint/2010/main" val="1837465009"/>
       </p:ext>
     </p:extLst>
   </p:cSld>
